--- a/Mobile Kids.pptx
+++ b/Mobile Kids.pptx
@@ -7,23 +7,25 @@
   <p:sldIdLst>
     <p:sldId id="256" r:id="rId2"/>
     <p:sldId id="257" r:id="rId3"/>
-    <p:sldId id="258" r:id="rId4"/>
-    <p:sldId id="259" r:id="rId5"/>
-    <p:sldId id="260" r:id="rId6"/>
-    <p:sldId id="261" r:id="rId7"/>
-    <p:sldId id="262" r:id="rId8"/>
-    <p:sldId id="263" r:id="rId9"/>
-    <p:sldId id="264" r:id="rId10"/>
-    <p:sldId id="270" r:id="rId11"/>
-    <p:sldId id="274" r:id="rId12"/>
-    <p:sldId id="273" r:id="rId13"/>
-    <p:sldId id="271" r:id="rId14"/>
-    <p:sldId id="275" r:id="rId15"/>
-    <p:sldId id="268" r:id="rId16"/>
-    <p:sldId id="269" r:id="rId17"/>
-    <p:sldId id="265" r:id="rId18"/>
-    <p:sldId id="267" r:id="rId19"/>
-    <p:sldId id="266" r:id="rId20"/>
+    <p:sldId id="277" r:id="rId4"/>
+    <p:sldId id="258" r:id="rId5"/>
+    <p:sldId id="259" r:id="rId6"/>
+    <p:sldId id="260" r:id="rId7"/>
+    <p:sldId id="261" r:id="rId8"/>
+    <p:sldId id="262" r:id="rId9"/>
+    <p:sldId id="263" r:id="rId10"/>
+    <p:sldId id="276" r:id="rId11"/>
+    <p:sldId id="264" r:id="rId12"/>
+    <p:sldId id="270" r:id="rId13"/>
+    <p:sldId id="274" r:id="rId14"/>
+    <p:sldId id="273" r:id="rId15"/>
+    <p:sldId id="271" r:id="rId16"/>
+    <p:sldId id="275" r:id="rId17"/>
+    <p:sldId id="268" r:id="rId18"/>
+    <p:sldId id="269" r:id="rId19"/>
+    <p:sldId id="265" r:id="rId20"/>
+    <p:sldId id="267" r:id="rId21"/>
+    <p:sldId id="266" r:id="rId22"/>
   </p:sldIdLst>
   <p:sldSz cx="12192000" cy="6858000"/>
   <p:notesSz cx="6858000" cy="9144000"/>
@@ -122,6 +124,22 @@
       </a:defRPr>
     </a:lvl9pPr>
   </p:defaultTextStyle>
+  <p:extLst>
+    <p:ext uri="{EFAFB233-063F-42B5-8137-9DF3F51BA10A}">
+      <p15:sldGuideLst xmlns:p15="http://schemas.microsoft.com/office/powerpoint/2012/main">
+        <p15:guide id="1" orient="horz" pos="2160">
+          <p15:clr>
+            <a:srgbClr val="A4A3A4"/>
+          </p15:clr>
+        </p15:guide>
+        <p15:guide id="2" pos="3840">
+          <p15:clr>
+            <a:srgbClr val="A4A3A4"/>
+          </p15:clr>
+        </p15:guide>
+      </p15:sldGuideLst>
+    </p:ext>
+  </p:extLst>
 </p:presentation>
 </file>
 
@@ -256,7 +274,8 @@
           <a:p>
             <a:fld id="{DEC3593B-3FB2-41CA-A545-06DBC0A1DEA1}" type="datetimeFigureOut">
               <a:rPr lang="en-US" smtClean="0"/>
-              <a:t>10/12/2014</a:t>
+              <a:pPr/>
+              <a:t>10/13/2014</a:t>
             </a:fld>
             <a:endParaRPr lang="en-US"/>
           </a:p>
@@ -298,6 +317,7 @@
           <a:p>
             <a:fld id="{D1909887-A1EA-4919-BBB7-4612DDBA755E}" type="slidenum">
               <a:rPr lang="en-US" smtClean="0"/>
+              <a:pPr/>
               <a:t>‹#›</a:t>
             </a:fld>
             <a:endParaRPr lang="en-US"/>
@@ -426,7 +446,8 @@
           <a:p>
             <a:fld id="{DEC3593B-3FB2-41CA-A545-06DBC0A1DEA1}" type="datetimeFigureOut">
               <a:rPr lang="en-US" smtClean="0"/>
-              <a:t>10/12/2014</a:t>
+              <a:pPr/>
+              <a:t>10/13/2014</a:t>
             </a:fld>
             <a:endParaRPr lang="en-US"/>
           </a:p>
@@ -468,6 +489,7 @@
           <a:p>
             <a:fld id="{D1909887-A1EA-4919-BBB7-4612DDBA755E}" type="slidenum">
               <a:rPr lang="en-US" smtClean="0"/>
+              <a:pPr/>
               <a:t>‹#›</a:t>
             </a:fld>
             <a:endParaRPr lang="en-US"/>
@@ -606,7 +628,8 @@
           <a:p>
             <a:fld id="{DEC3593B-3FB2-41CA-A545-06DBC0A1DEA1}" type="datetimeFigureOut">
               <a:rPr lang="en-US" smtClean="0"/>
-              <a:t>10/12/2014</a:t>
+              <a:pPr/>
+              <a:t>10/13/2014</a:t>
             </a:fld>
             <a:endParaRPr lang="en-US"/>
           </a:p>
@@ -648,6 +671,7 @@
           <a:p>
             <a:fld id="{D1909887-A1EA-4919-BBB7-4612DDBA755E}" type="slidenum">
               <a:rPr lang="en-US" smtClean="0"/>
+              <a:pPr/>
               <a:t>‹#›</a:t>
             </a:fld>
             <a:endParaRPr lang="en-US"/>
@@ -776,7 +800,8 @@
           <a:p>
             <a:fld id="{DEC3593B-3FB2-41CA-A545-06DBC0A1DEA1}" type="datetimeFigureOut">
               <a:rPr lang="en-US" smtClean="0"/>
-              <a:t>10/12/2014</a:t>
+              <a:pPr/>
+              <a:t>10/13/2014</a:t>
             </a:fld>
             <a:endParaRPr lang="en-US"/>
           </a:p>
@@ -818,6 +843,7 @@
           <a:p>
             <a:fld id="{D1909887-A1EA-4919-BBB7-4612DDBA755E}" type="slidenum">
               <a:rPr lang="en-US" smtClean="0"/>
+              <a:pPr/>
               <a:t>‹#›</a:t>
             </a:fld>
             <a:endParaRPr lang="en-US"/>
@@ -1022,7 +1048,8 @@
           <a:p>
             <a:fld id="{DEC3593B-3FB2-41CA-A545-06DBC0A1DEA1}" type="datetimeFigureOut">
               <a:rPr lang="en-US" smtClean="0"/>
-              <a:t>10/12/2014</a:t>
+              <a:pPr/>
+              <a:t>10/13/2014</a:t>
             </a:fld>
             <a:endParaRPr lang="en-US"/>
           </a:p>
@@ -1064,6 +1091,7 @@
           <a:p>
             <a:fld id="{D1909887-A1EA-4919-BBB7-4612DDBA755E}" type="slidenum">
               <a:rPr lang="en-US" smtClean="0"/>
+              <a:pPr/>
               <a:t>‹#›</a:t>
             </a:fld>
             <a:endParaRPr lang="en-US"/>
@@ -1254,7 +1282,8 @@
           <a:p>
             <a:fld id="{DEC3593B-3FB2-41CA-A545-06DBC0A1DEA1}" type="datetimeFigureOut">
               <a:rPr lang="en-US" smtClean="0"/>
-              <a:t>10/12/2014</a:t>
+              <a:pPr/>
+              <a:t>10/13/2014</a:t>
             </a:fld>
             <a:endParaRPr lang="en-US"/>
           </a:p>
@@ -1296,6 +1325,7 @@
           <a:p>
             <a:fld id="{D1909887-A1EA-4919-BBB7-4612DDBA755E}" type="slidenum">
               <a:rPr lang="en-US" smtClean="0"/>
+              <a:pPr/>
               <a:t>‹#›</a:t>
             </a:fld>
             <a:endParaRPr lang="en-US"/>
@@ -1621,7 +1651,8 @@
           <a:p>
             <a:fld id="{DEC3593B-3FB2-41CA-A545-06DBC0A1DEA1}" type="datetimeFigureOut">
               <a:rPr lang="en-US" smtClean="0"/>
-              <a:t>10/12/2014</a:t>
+              <a:pPr/>
+              <a:t>10/13/2014</a:t>
             </a:fld>
             <a:endParaRPr lang="en-US"/>
           </a:p>
@@ -1663,6 +1694,7 @@
           <a:p>
             <a:fld id="{D1909887-A1EA-4919-BBB7-4612DDBA755E}" type="slidenum">
               <a:rPr lang="en-US" smtClean="0"/>
+              <a:pPr/>
               <a:t>‹#›</a:t>
             </a:fld>
             <a:endParaRPr lang="en-US"/>
@@ -1739,7 +1771,8 @@
           <a:p>
             <a:fld id="{DEC3593B-3FB2-41CA-A545-06DBC0A1DEA1}" type="datetimeFigureOut">
               <a:rPr lang="en-US" smtClean="0"/>
-              <a:t>10/12/2014</a:t>
+              <a:pPr/>
+              <a:t>10/13/2014</a:t>
             </a:fld>
             <a:endParaRPr lang="en-US"/>
           </a:p>
@@ -1781,6 +1814,7 @@
           <a:p>
             <a:fld id="{D1909887-A1EA-4919-BBB7-4612DDBA755E}" type="slidenum">
               <a:rPr lang="en-US" smtClean="0"/>
+              <a:pPr/>
               <a:t>‹#›</a:t>
             </a:fld>
             <a:endParaRPr lang="en-US"/>
@@ -1834,7 +1868,8 @@
           <a:p>
             <a:fld id="{DEC3593B-3FB2-41CA-A545-06DBC0A1DEA1}" type="datetimeFigureOut">
               <a:rPr lang="en-US" smtClean="0"/>
-              <a:t>10/12/2014</a:t>
+              <a:pPr/>
+              <a:t>10/13/2014</a:t>
             </a:fld>
             <a:endParaRPr lang="en-US"/>
           </a:p>
@@ -1876,6 +1911,7 @@
           <a:p>
             <a:fld id="{D1909887-A1EA-4919-BBB7-4612DDBA755E}" type="slidenum">
               <a:rPr lang="en-US" smtClean="0"/>
+              <a:pPr/>
               <a:t>‹#›</a:t>
             </a:fld>
             <a:endParaRPr lang="en-US"/>
@@ -2111,7 +2147,8 @@
           <a:p>
             <a:fld id="{DEC3593B-3FB2-41CA-A545-06DBC0A1DEA1}" type="datetimeFigureOut">
               <a:rPr lang="en-US" smtClean="0"/>
-              <a:t>10/12/2014</a:t>
+              <a:pPr/>
+              <a:t>10/13/2014</a:t>
             </a:fld>
             <a:endParaRPr lang="en-US"/>
           </a:p>
@@ -2153,6 +2190,7 @@
           <a:p>
             <a:fld id="{D1909887-A1EA-4919-BBB7-4612DDBA755E}" type="slidenum">
               <a:rPr lang="en-US" smtClean="0"/>
+              <a:pPr/>
               <a:t>‹#›</a:t>
             </a:fld>
             <a:endParaRPr lang="en-US"/>
@@ -2364,7 +2402,8 @@
           <a:p>
             <a:fld id="{DEC3593B-3FB2-41CA-A545-06DBC0A1DEA1}" type="datetimeFigureOut">
               <a:rPr lang="en-US" smtClean="0"/>
-              <a:t>10/12/2014</a:t>
+              <a:pPr/>
+              <a:t>10/13/2014</a:t>
             </a:fld>
             <a:endParaRPr lang="en-US"/>
           </a:p>
@@ -2406,6 +2445,7 @@
           <a:p>
             <a:fld id="{D1909887-A1EA-4919-BBB7-4612DDBA755E}" type="slidenum">
               <a:rPr lang="en-US" smtClean="0"/>
+              <a:pPr/>
               <a:t>‹#›</a:t>
             </a:fld>
             <a:endParaRPr lang="en-US"/>
@@ -2577,7 +2617,8 @@
           <a:p>
             <a:fld id="{DEC3593B-3FB2-41CA-A545-06DBC0A1DEA1}" type="datetimeFigureOut">
               <a:rPr lang="en-US" smtClean="0"/>
-              <a:t>10/12/2014</a:t>
+              <a:pPr/>
+              <a:t>10/13/2014</a:t>
             </a:fld>
             <a:endParaRPr lang="en-US"/>
           </a:p>
@@ -2655,6 +2696,7 @@
           <a:p>
             <a:fld id="{D1909887-A1EA-4919-BBB7-4612DDBA755E}" type="slidenum">
               <a:rPr lang="en-US" smtClean="0"/>
+              <a:pPr/>
               <a:t>‹#›</a:t>
             </a:fld>
             <a:endParaRPr lang="en-US"/>
@@ -2994,12 +3036,52 @@
         </p:nvSpPr>
         <p:spPr/>
         <p:txBody>
-          <a:bodyPr/>
+          <a:bodyPr>
+            <a:normAutofit fontScale="90000"/>
+          </a:bodyPr>
           <a:lstStyle/>
           <a:p>
             <a:r>
               <a:rPr lang="en-US" dirty="0" smtClean="0"/>
               <a:t>Mobile Kids</a:t>
+            </a:r>
+            <a:r>
+              <a:rPr lang="en-US" dirty="0"/>
+              <a:t/>
+            </a:r>
+            <a:br>
+              <a:rPr lang="en-US" dirty="0"/>
+            </a:br>
+            <a:r>
+              <a:rPr lang="en-US" dirty="0" err="1" smtClean="0"/>
+              <a:t>Asah</a:t>
+            </a:r>
+            <a:r>
+              <a:rPr lang="en-US" dirty="0" smtClean="0"/>
+              <a:t> </a:t>
+            </a:r>
+            <a:r>
+              <a:rPr lang="en-US" dirty="0" err="1" smtClean="0"/>
+              <a:t>Otak</a:t>
+            </a:r>
+            <a:r>
+              <a:rPr lang="en-US" dirty="0" smtClean="0"/>
+              <a:t/>
+            </a:r>
+            <a:br>
+              <a:rPr lang="en-US" dirty="0" smtClean="0"/>
+            </a:br>
+            <a:r>
+              <a:rPr lang="en-US" dirty="0" smtClean="0"/>
+              <a:t>(</a:t>
+            </a:r>
+            <a:r>
+              <a:rPr lang="en-US" dirty="0" err="1" smtClean="0"/>
+              <a:t>Asotak</a:t>
+            </a:r>
+            <a:r>
+              <a:rPr lang="en-US" smtClean="0"/>
+              <a:t>)</a:t>
             </a:r>
             <a:endParaRPr lang="en-US" dirty="0"/>
           </a:p>
@@ -3114,10 +3196,602 @@
   <p:clrMapOvr>
     <a:masterClrMapping/>
   </p:clrMapOvr>
+  <p:timing>
+    <p:tnLst>
+      <p:par>
+        <p:cTn id="1" dur="indefinite" restart="never" nodeType="tmRoot"/>
+      </p:par>
+    </p:tnLst>
+  </p:timing>
 </p:sld>
 </file>
 
 <file path=ppt/slides/slide10.xml><?xml version="1.0" encoding="utf-8"?>
+<p:sld xmlns:a="http://schemas.openxmlformats.org/drawingml/2006/main" xmlns:r="http://schemas.openxmlformats.org/officeDocument/2006/relationships" xmlns:p="http://schemas.openxmlformats.org/presentationml/2006/main">
+  <p:cSld>
+    <p:spTree>
+      <p:nvGrpSpPr>
+        <p:cNvPr id="1" name=""/>
+        <p:cNvGrpSpPr/>
+        <p:nvPr/>
+      </p:nvGrpSpPr>
+      <p:grpSpPr>
+        <a:xfrm>
+          <a:off x="0" y="0"/>
+          <a:ext cx="0" cy="0"/>
+          <a:chOff x="0" y="0"/>
+          <a:chExt cx="0" cy="0"/>
+        </a:xfrm>
+      </p:grpSpPr>
+      <p:graphicFrame>
+        <p:nvGraphicFramePr>
+          <p:cNvPr id="4" name="Content Placeholder 3"/>
+          <p:cNvGraphicFramePr>
+            <a:graphicFrameLocks noGrp="1"/>
+          </p:cNvGraphicFramePr>
+          <p:nvPr>
+            <p:ph idx="1"/>
+            <p:extLst>
+              <p:ext uri="{D42A27DB-BD31-4B8C-83A1-F6EECF244321}">
+                <p14:modId xmlns:p14="http://schemas.microsoft.com/office/powerpoint/2010/main" val="4248160174"/>
+              </p:ext>
+            </p:extLst>
+          </p:nvPr>
+        </p:nvGraphicFramePr>
+        <p:xfrm>
+          <a:off x="838200" y="1825625"/>
+          <a:ext cx="10515600" cy="4820920"/>
+        </p:xfrm>
+        <a:graphic>
+          <a:graphicData uri="http://schemas.openxmlformats.org/drawingml/2006/table">
+            <a:tbl>
+              <a:tblPr firstRow="1" bandRow="1">
+                <a:tableStyleId>{5C22544A-7EE6-4342-B048-85BDC9FD1C3A}</a:tableStyleId>
+              </a:tblPr>
+              <a:tblGrid>
+                <a:gridCol w="5257800"/>
+                <a:gridCol w="5257800"/>
+              </a:tblGrid>
+              <a:tr h="370840">
+                <a:tc>
+                  <a:txBody>
+                    <a:bodyPr/>
+                    <a:lstStyle/>
+                    <a:p>
+                      <a:r>
+                        <a:rPr lang="en-US" dirty="0" err="1" smtClean="0"/>
+                        <a:t>Fitur</a:t>
+                      </a:r>
+                      <a:endParaRPr lang="en-US" dirty="0"/>
+                    </a:p>
+                  </a:txBody>
+                  <a:tcPr/>
+                </a:tc>
+                <a:tc>
+                  <a:txBody>
+                    <a:bodyPr/>
+                    <a:lstStyle/>
+                    <a:p>
+                      <a:r>
+                        <a:rPr lang="en-US" dirty="0" err="1" smtClean="0"/>
+                        <a:t>Hari</a:t>
+                      </a:r>
+                      <a:endParaRPr lang="en-US" dirty="0"/>
+                    </a:p>
+                  </a:txBody>
+                  <a:tcPr/>
+                </a:tc>
+              </a:tr>
+              <a:tr h="370840">
+                <a:tc>
+                  <a:txBody>
+                    <a:bodyPr/>
+                    <a:lstStyle/>
+                    <a:p>
+                      <a:r>
+                        <a:rPr lang="en-US" b="1" dirty="0" smtClean="0"/>
+                        <a:t>Design UI yang Familiar</a:t>
+                      </a:r>
+                    </a:p>
+                  </a:txBody>
+                  <a:tcPr/>
+                </a:tc>
+                <a:tc>
+                  <a:txBody>
+                    <a:bodyPr/>
+                    <a:lstStyle/>
+                    <a:p>
+                      <a:r>
+                        <a:rPr lang="en-US" b="1" dirty="0" smtClean="0"/>
+                        <a:t>20</a:t>
+                      </a:r>
+                      <a:endParaRPr lang="en-US" b="1" dirty="0"/>
+                    </a:p>
+                  </a:txBody>
+                  <a:tcPr/>
+                </a:tc>
+              </a:tr>
+              <a:tr h="370840">
+                <a:tc>
+                  <a:txBody>
+                    <a:bodyPr/>
+                    <a:lstStyle/>
+                    <a:p>
+                      <a:r>
+                        <a:rPr lang="en-US" b="1" dirty="0" smtClean="0"/>
+                        <a:t>Mode Game</a:t>
+                      </a:r>
+                    </a:p>
+                  </a:txBody>
+                  <a:tcPr/>
+                </a:tc>
+                <a:tc>
+                  <a:txBody>
+                    <a:bodyPr/>
+                    <a:lstStyle/>
+                    <a:p>
+                      <a:r>
+                        <a:rPr lang="en-US" b="1" dirty="0" smtClean="0"/>
+                        <a:t>8</a:t>
+                      </a:r>
+                      <a:endParaRPr lang="en-US" b="1" dirty="0"/>
+                    </a:p>
+                  </a:txBody>
+                  <a:tcPr/>
+                </a:tc>
+              </a:tr>
+              <a:tr h="370840">
+                <a:tc>
+                  <a:txBody>
+                    <a:bodyPr/>
+                    <a:lstStyle/>
+                    <a:p>
+                      <a:r>
+                        <a:rPr lang="en-US" b="1" dirty="0" smtClean="0"/>
+                        <a:t>Difficulties</a:t>
+                      </a:r>
+                    </a:p>
+                  </a:txBody>
+                  <a:tcPr/>
+                </a:tc>
+                <a:tc>
+                  <a:txBody>
+                    <a:bodyPr/>
+                    <a:lstStyle/>
+                    <a:p>
+                      <a:r>
+                        <a:rPr lang="en-US" b="1" dirty="0" smtClean="0"/>
+                        <a:t>5</a:t>
+                      </a:r>
+                      <a:endParaRPr lang="en-US" b="1" dirty="0"/>
+                    </a:p>
+                  </a:txBody>
+                  <a:tcPr/>
+                </a:tc>
+              </a:tr>
+              <a:tr h="370840">
+                <a:tc>
+                  <a:txBody>
+                    <a:bodyPr/>
+                    <a:lstStyle/>
+                    <a:p>
+                      <a:r>
+                        <a:rPr lang="en-US" b="1" dirty="0" smtClean="0"/>
+                        <a:t>Daily Test</a:t>
+                      </a:r>
+                    </a:p>
+                  </a:txBody>
+                  <a:tcPr/>
+                </a:tc>
+                <a:tc>
+                  <a:txBody>
+                    <a:bodyPr/>
+                    <a:lstStyle/>
+                    <a:p>
+                      <a:r>
+                        <a:rPr lang="en-US" b="1" dirty="0" smtClean="0"/>
+                        <a:t>3</a:t>
+                      </a:r>
+                      <a:endParaRPr lang="en-US" b="1" dirty="0"/>
+                    </a:p>
+                  </a:txBody>
+                  <a:tcPr/>
+                </a:tc>
+              </a:tr>
+              <a:tr h="370840">
+                <a:tc>
+                  <a:txBody>
+                    <a:bodyPr/>
+                    <a:lstStyle/>
+                    <a:p>
+                      <a:r>
+                        <a:rPr lang="en-US" b="1" dirty="0" smtClean="0"/>
+                        <a:t>Multiple Users</a:t>
+                      </a:r>
+                    </a:p>
+                  </a:txBody>
+                  <a:tcPr/>
+                </a:tc>
+                <a:tc>
+                  <a:txBody>
+                    <a:bodyPr/>
+                    <a:lstStyle/>
+                    <a:p>
+                      <a:r>
+                        <a:rPr lang="en-US" b="1" dirty="0" smtClean="0"/>
+                        <a:t>8</a:t>
+                      </a:r>
+                      <a:endParaRPr lang="en-US" b="1" dirty="0"/>
+                    </a:p>
+                  </a:txBody>
+                  <a:tcPr/>
+                </a:tc>
+              </a:tr>
+              <a:tr h="370840">
+                <a:tc>
+                  <a:txBody>
+                    <a:bodyPr/>
+                    <a:lstStyle/>
+                    <a:p>
+                      <a:r>
+                        <a:rPr lang="en-US" b="1" dirty="0" smtClean="0"/>
+                        <a:t>Statistics</a:t>
+                      </a:r>
+                    </a:p>
+                  </a:txBody>
+                  <a:tcPr/>
+                </a:tc>
+                <a:tc>
+                  <a:txBody>
+                    <a:bodyPr/>
+                    <a:lstStyle/>
+                    <a:p>
+                      <a:r>
+                        <a:rPr lang="en-US" b="1" dirty="0" smtClean="0"/>
+                        <a:t>3</a:t>
+                      </a:r>
+                    </a:p>
+                  </a:txBody>
+                  <a:tcPr/>
+                </a:tc>
+              </a:tr>
+              <a:tr h="370840">
+                <a:tc>
+                  <a:txBody>
+                    <a:bodyPr/>
+                    <a:lstStyle/>
+                    <a:p>
+                      <a:r>
+                        <a:rPr lang="en-US" b="1" dirty="0" smtClean="0"/>
+                        <a:t>Game In Game</a:t>
+                      </a:r>
+                    </a:p>
+                  </a:txBody>
+                  <a:tcPr/>
+                </a:tc>
+                <a:tc>
+                  <a:txBody>
+                    <a:bodyPr/>
+                    <a:lstStyle/>
+                    <a:p>
+                      <a:r>
+                        <a:rPr lang="en-US" b="1" dirty="0" smtClean="0"/>
+                        <a:t>20</a:t>
+                      </a:r>
+                    </a:p>
+                  </a:txBody>
+                  <a:tcPr/>
+                </a:tc>
+              </a:tr>
+              <a:tr h="370840">
+                <a:tc>
+                  <a:txBody>
+                    <a:bodyPr/>
+                    <a:lstStyle/>
+                    <a:p>
+                      <a:r>
+                        <a:rPr lang="en-US" b="1" dirty="0" smtClean="0"/>
+                        <a:t>Unlock Game</a:t>
+                      </a:r>
+                    </a:p>
+                  </a:txBody>
+                  <a:tcPr/>
+                </a:tc>
+                <a:tc>
+                  <a:txBody>
+                    <a:bodyPr/>
+                    <a:lstStyle/>
+                    <a:p>
+                      <a:r>
+                        <a:rPr lang="en-US" b="1" dirty="0" smtClean="0"/>
+                        <a:t>13</a:t>
+                      </a:r>
+                    </a:p>
+                  </a:txBody>
+                  <a:tcPr/>
+                </a:tc>
+              </a:tr>
+              <a:tr h="370840">
+                <a:tc>
+                  <a:txBody>
+                    <a:bodyPr/>
+                    <a:lstStyle/>
+                    <a:p>
+                      <a:r>
+                        <a:rPr lang="en-US" b="1" dirty="0" smtClean="0"/>
+                        <a:t>Challenge Mode</a:t>
+                      </a:r>
+                    </a:p>
+                  </a:txBody>
+                  <a:tcPr/>
+                </a:tc>
+                <a:tc>
+                  <a:txBody>
+                    <a:bodyPr/>
+                    <a:lstStyle/>
+                    <a:p>
+                      <a:r>
+                        <a:rPr lang="en-US" b="1" dirty="0" smtClean="0"/>
+                        <a:t>5</a:t>
+                      </a:r>
+                    </a:p>
+                  </a:txBody>
+                  <a:tcPr/>
+                </a:tc>
+              </a:tr>
+              <a:tr h="370840">
+                <a:tc>
+                  <a:txBody>
+                    <a:bodyPr/>
+                    <a:lstStyle/>
+                    <a:p>
+                      <a:pPr marL="0" marR="0" indent="0" algn="l" defTabSz="914400" rtl="0" eaLnBrk="1" fontAlgn="auto" latinLnBrk="0" hangingPunct="1">
+                        <a:lnSpc>
+                          <a:spcPct val="100000"/>
+                        </a:lnSpc>
+                        <a:spcBef>
+                          <a:spcPts val="0"/>
+                        </a:spcBef>
+                        <a:spcAft>
+                          <a:spcPts val="0"/>
+                        </a:spcAft>
+                        <a:buClrTx/>
+                        <a:buSzTx/>
+                        <a:buFontTx/>
+                        <a:buNone/>
+                        <a:tabLst/>
+                        <a:defRPr/>
+                      </a:pPr>
+                      <a:r>
+                        <a:rPr lang="en-US" b="1" dirty="0" smtClean="0"/>
+                        <a:t>Battle Mode</a:t>
+                      </a:r>
+                    </a:p>
+                  </a:txBody>
+                  <a:tcPr/>
+                </a:tc>
+                <a:tc>
+                  <a:txBody>
+                    <a:bodyPr/>
+                    <a:lstStyle/>
+                    <a:p>
+                      <a:r>
+                        <a:rPr lang="en-US" b="1" dirty="0" smtClean="0"/>
+                        <a:t>8</a:t>
+                      </a:r>
+                    </a:p>
+                  </a:txBody>
+                  <a:tcPr/>
+                </a:tc>
+              </a:tr>
+              <a:tr h="370840">
+                <a:tc>
+                  <a:txBody>
+                    <a:bodyPr/>
+                    <a:lstStyle/>
+                    <a:p>
+                      <a:r>
+                        <a:rPr lang="en-US" b="1" dirty="0" smtClean="0"/>
+                        <a:t>Enable Rotation</a:t>
+                      </a:r>
+                    </a:p>
+                  </a:txBody>
+                  <a:tcPr/>
+                </a:tc>
+                <a:tc>
+                  <a:txBody>
+                    <a:bodyPr/>
+                    <a:lstStyle/>
+                    <a:p>
+                      <a:r>
+                        <a:rPr lang="en-US" b="1" dirty="0" smtClean="0"/>
+                        <a:t>3</a:t>
+                      </a:r>
+                    </a:p>
+                  </a:txBody>
+                  <a:tcPr/>
+                </a:tc>
+              </a:tr>
+              <a:tr h="370840">
+                <a:tc>
+                  <a:txBody>
+                    <a:bodyPr/>
+                    <a:lstStyle/>
+                    <a:p>
+                      <a:r>
+                        <a:rPr lang="en-US" b="1" dirty="0" smtClean="0"/>
+                        <a:t>Total</a:t>
+                      </a:r>
+                    </a:p>
+                  </a:txBody>
+                  <a:tcPr/>
+                </a:tc>
+                <a:tc>
+                  <a:txBody>
+                    <a:bodyPr/>
+                    <a:lstStyle/>
+                    <a:p>
+                      <a:r>
+                        <a:rPr lang="en-US" b="1" dirty="0" smtClean="0"/>
+                        <a:t>96</a:t>
+                      </a:r>
+                    </a:p>
+                  </a:txBody>
+                  <a:tcPr/>
+                </a:tc>
+              </a:tr>
+            </a:tbl>
+          </a:graphicData>
+        </a:graphic>
+      </p:graphicFrame>
+      <p:sp>
+        <p:nvSpPr>
+          <p:cNvPr id="5" name="Title 1"/>
+          <p:cNvSpPr>
+            <a:spLocks noGrp="1"/>
+          </p:cNvSpPr>
+          <p:nvPr>
+            <p:ph type="title"/>
+          </p:nvPr>
+        </p:nvSpPr>
+        <p:spPr/>
+        <p:txBody>
+          <a:bodyPr/>
+          <a:lstStyle/>
+          <a:p>
+            <a:r>
+              <a:rPr lang="en-US" dirty="0" smtClean="0"/>
+              <a:t>Requirement Cards / Features</a:t>
+            </a:r>
+            <a:endParaRPr lang="en-US" dirty="0"/>
+          </a:p>
+        </p:txBody>
+      </p:sp>
+    </p:spTree>
+    <p:extLst>
+      <p:ext uri="{BB962C8B-B14F-4D97-AF65-F5344CB8AC3E}">
+        <p14:creationId xmlns:p14="http://schemas.microsoft.com/office/powerpoint/2010/main" val="445725138"/>
+      </p:ext>
+    </p:extLst>
+  </p:cSld>
+  <p:clrMapOvr>
+    <a:masterClrMapping/>
+  </p:clrMapOvr>
+  <p:timing>
+    <p:tnLst>
+      <p:par>
+        <p:cTn id="1" dur="indefinite" restart="never" nodeType="tmRoot"/>
+      </p:par>
+    </p:tnLst>
+  </p:timing>
+</p:sld>
+</file>
+
+<file path=ppt/slides/slide11.xml><?xml version="1.0" encoding="utf-8"?>
+<p:sld xmlns:a="http://schemas.openxmlformats.org/drawingml/2006/main" xmlns:r="http://schemas.openxmlformats.org/officeDocument/2006/relationships" xmlns:p="http://schemas.openxmlformats.org/presentationml/2006/main">
+  <p:cSld>
+    <p:spTree>
+      <p:nvGrpSpPr>
+        <p:cNvPr id="1" name=""/>
+        <p:cNvGrpSpPr/>
+        <p:nvPr/>
+      </p:nvGrpSpPr>
+      <p:grpSpPr>
+        <a:xfrm>
+          <a:off x="0" y="0"/>
+          <a:ext cx="0" cy="0"/>
+          <a:chOff x="0" y="0"/>
+          <a:chExt cx="0" cy="0"/>
+        </a:xfrm>
+      </p:grpSpPr>
+      <p:sp>
+        <p:nvSpPr>
+          <p:cNvPr id="2" name="Title 1"/>
+          <p:cNvSpPr>
+            <a:spLocks noGrp="1"/>
+          </p:cNvSpPr>
+          <p:nvPr>
+            <p:ph type="title"/>
+          </p:nvPr>
+        </p:nvSpPr>
+        <p:spPr/>
+        <p:txBody>
+          <a:bodyPr/>
+          <a:lstStyle/>
+          <a:p>
+            <a:endParaRPr lang="en-US"/>
+          </a:p>
+        </p:txBody>
+      </p:sp>
+      <p:sp>
+        <p:nvSpPr>
+          <p:cNvPr id="17" name="Content Placeholder 16"/>
+          <p:cNvSpPr>
+            <a:spLocks noGrp="1"/>
+          </p:cNvSpPr>
+          <p:nvPr>
+            <p:ph idx="1"/>
+          </p:nvPr>
+        </p:nvSpPr>
+        <p:spPr/>
+        <p:txBody>
+          <a:bodyPr/>
+          <a:lstStyle/>
+          <a:p>
+            <a:endParaRPr lang="en-US"/>
+          </a:p>
+        </p:txBody>
+      </p:sp>
+      <p:pic>
+        <p:nvPicPr>
+          <p:cNvPr id="18" name="Content Placeholder 3"/>
+          <p:cNvPicPr>
+            <a:picLocks noGrp="1" noChangeAspect="1"/>
+          </p:cNvPicPr>
+          <p:nvPr>
+            <p:ph idx="1"/>
+          </p:nvPr>
+        </p:nvPicPr>
+        <p:blipFill>
+          <a:blip r:embed="rId2">
+            <a:extLst>
+              <a:ext uri="{28A0092B-C50C-407E-A947-70E740481C1C}">
+                <a14:useLocalDpi xmlns:a14="http://schemas.microsoft.com/office/drawing/2010/main" val="0"/>
+              </a:ext>
+            </a:extLst>
+          </a:blip>
+          <a:stretch>
+            <a:fillRect/>
+          </a:stretch>
+        </p:blipFill>
+        <p:spPr>
+          <a:xfrm>
+            <a:off x="2461012" y="365125"/>
+            <a:ext cx="7749117" cy="5811838"/>
+          </a:xfrm>
+        </p:spPr>
+      </p:pic>
+    </p:spTree>
+    <p:extLst>
+      <p:ext uri="{BB962C8B-B14F-4D97-AF65-F5344CB8AC3E}">
+        <p14:creationId xmlns:p14="http://schemas.microsoft.com/office/powerpoint/2010/main" val="3296217674"/>
+      </p:ext>
+    </p:extLst>
+  </p:cSld>
+  <p:clrMapOvr>
+    <a:masterClrMapping/>
+  </p:clrMapOvr>
+  <p:timing>
+    <p:tnLst>
+      <p:par>
+        <p:cTn id="1" dur="indefinite" restart="never" nodeType="tmRoot"/>
+      </p:par>
+    </p:tnLst>
+  </p:timing>
+</p:sld>
+</file>
+
+<file path=ppt/slides/slide12.xml><?xml version="1.0" encoding="utf-8"?>
 <p:sld xmlns:a="http://schemas.openxmlformats.org/drawingml/2006/main" xmlns:r="http://schemas.openxmlformats.org/officeDocument/2006/relationships" xmlns:p="http://schemas.openxmlformats.org/presentationml/2006/main">
   <p:cSld>
     <p:spTree>
@@ -3212,10 +3886,17 @@
   <p:clrMapOvr>
     <a:masterClrMapping/>
   </p:clrMapOvr>
+  <p:timing>
+    <p:tnLst>
+      <p:par>
+        <p:cTn id="1" dur="indefinite" restart="never" nodeType="tmRoot"/>
+      </p:par>
+    </p:tnLst>
+  </p:timing>
 </p:sld>
 </file>
 
-<file path=ppt/slides/slide11.xml><?xml version="1.0" encoding="utf-8"?>
+<file path=ppt/slides/slide13.xml><?xml version="1.0" encoding="utf-8"?>
 <p:sld xmlns:a="http://schemas.openxmlformats.org/drawingml/2006/main" xmlns:r="http://schemas.openxmlformats.org/officeDocument/2006/relationships" xmlns:p="http://schemas.openxmlformats.org/presentationml/2006/main">
   <p:cSld>
     <p:spTree>
@@ -3290,10 +3971,17 @@
   <p:clrMapOvr>
     <a:masterClrMapping/>
   </p:clrMapOvr>
+  <p:timing>
+    <p:tnLst>
+      <p:par>
+        <p:cTn id="1" dur="indefinite" restart="never" nodeType="tmRoot"/>
+      </p:par>
+    </p:tnLst>
+  </p:timing>
 </p:sld>
 </file>
 
-<file path=ppt/slides/slide12.xml><?xml version="1.0" encoding="utf-8"?>
+<file path=ppt/slides/slide14.xml><?xml version="1.0" encoding="utf-8"?>
 <p:sld xmlns:a="http://schemas.openxmlformats.org/drawingml/2006/main" xmlns:r="http://schemas.openxmlformats.org/officeDocument/2006/relationships" xmlns:p="http://schemas.openxmlformats.org/presentationml/2006/main">
   <p:cSld>
     <p:spTree>
@@ -3388,10 +4076,17 @@
   <p:clrMapOvr>
     <a:masterClrMapping/>
   </p:clrMapOvr>
+  <p:timing>
+    <p:tnLst>
+      <p:par>
+        <p:cTn id="1" dur="indefinite" restart="never" nodeType="tmRoot"/>
+      </p:par>
+    </p:tnLst>
+  </p:timing>
 </p:sld>
 </file>
 
-<file path=ppt/slides/slide13.xml><?xml version="1.0" encoding="utf-8"?>
+<file path=ppt/slides/slide15.xml><?xml version="1.0" encoding="utf-8"?>
 <p:sld xmlns:a="http://schemas.openxmlformats.org/drawingml/2006/main" xmlns:r="http://schemas.openxmlformats.org/officeDocument/2006/relationships" xmlns:p="http://schemas.openxmlformats.org/presentationml/2006/main">
   <p:cSld>
     <p:spTree>
@@ -3486,10 +4181,17 @@
   <p:clrMapOvr>
     <a:masterClrMapping/>
   </p:clrMapOvr>
+  <p:timing>
+    <p:tnLst>
+      <p:par>
+        <p:cTn id="1" dur="indefinite" restart="never" nodeType="tmRoot"/>
+      </p:par>
+    </p:tnLst>
+  </p:timing>
 </p:sld>
 </file>
 
-<file path=ppt/slides/slide14.xml><?xml version="1.0" encoding="utf-8"?>
+<file path=ppt/slides/slide16.xml><?xml version="1.0" encoding="utf-8"?>
 <p:sld xmlns:a="http://schemas.openxmlformats.org/drawingml/2006/main" xmlns:r="http://schemas.openxmlformats.org/officeDocument/2006/relationships" xmlns:p="http://schemas.openxmlformats.org/presentationml/2006/main">
   <p:cSld>
     <p:spTree>
@@ -3564,10 +4266,17 @@
   <p:clrMapOvr>
     <a:masterClrMapping/>
   </p:clrMapOvr>
+  <p:timing>
+    <p:tnLst>
+      <p:par>
+        <p:cTn id="1" dur="indefinite" restart="never" nodeType="tmRoot"/>
+      </p:par>
+    </p:tnLst>
+  </p:timing>
 </p:sld>
 </file>
 
-<file path=ppt/slides/slide15.xml><?xml version="1.0" encoding="utf-8"?>
+<file path=ppt/slides/slide17.xml><?xml version="1.0" encoding="utf-8"?>
 <p:sld xmlns:a="http://schemas.openxmlformats.org/drawingml/2006/main" xmlns:r="http://schemas.openxmlformats.org/officeDocument/2006/relationships" xmlns:p="http://schemas.openxmlformats.org/presentationml/2006/main">
   <p:cSld>
     <p:spTree>
@@ -3662,10 +4371,17 @@
   <p:clrMapOvr>
     <a:masterClrMapping/>
   </p:clrMapOvr>
+  <p:timing>
+    <p:tnLst>
+      <p:par>
+        <p:cTn id="1" dur="indefinite" restart="never" nodeType="tmRoot"/>
+      </p:par>
+    </p:tnLst>
+  </p:timing>
 </p:sld>
 </file>
 
-<file path=ppt/slides/slide16.xml><?xml version="1.0" encoding="utf-8"?>
+<file path=ppt/slides/slide18.xml><?xml version="1.0" encoding="utf-8"?>
 <p:sld xmlns:a="http://schemas.openxmlformats.org/drawingml/2006/main" xmlns:r="http://schemas.openxmlformats.org/officeDocument/2006/relationships" xmlns:p="http://schemas.openxmlformats.org/presentationml/2006/main">
   <p:cSld>
     <p:spTree>
@@ -3760,10 +4476,17 @@
   <p:clrMapOvr>
     <a:masterClrMapping/>
   </p:clrMapOvr>
+  <p:timing>
+    <p:tnLst>
+      <p:par>
+        <p:cTn id="1" dur="indefinite" restart="never" nodeType="tmRoot"/>
+      </p:par>
+    </p:tnLst>
+  </p:timing>
 </p:sld>
 </file>
 
-<file path=ppt/slides/slide17.xml><?xml version="1.0" encoding="utf-8"?>
+<file path=ppt/slides/slide19.xml><?xml version="1.0" encoding="utf-8"?>
 <p:sld xmlns:a="http://schemas.openxmlformats.org/drawingml/2006/main" xmlns:r="http://schemas.openxmlformats.org/officeDocument/2006/relationships" xmlns:p="http://schemas.openxmlformats.org/presentationml/2006/main">
   <p:cSld>
     <p:spTree>
@@ -3858,10 +4581,487 @@
   <p:clrMapOvr>
     <a:masterClrMapping/>
   </p:clrMapOvr>
+  <p:timing>
+    <p:tnLst>
+      <p:par>
+        <p:cTn id="1" dur="indefinite" restart="never" nodeType="tmRoot"/>
+      </p:par>
+    </p:tnLst>
+  </p:timing>
 </p:sld>
 </file>
 
-<file path=ppt/slides/slide18.xml><?xml version="1.0" encoding="utf-8"?>
+<file path=ppt/slides/slide2.xml><?xml version="1.0" encoding="utf-8"?>
+<p:sld xmlns:a="http://schemas.openxmlformats.org/drawingml/2006/main" xmlns:r="http://schemas.openxmlformats.org/officeDocument/2006/relationships" xmlns:p="http://schemas.openxmlformats.org/presentationml/2006/main">
+  <p:cSld>
+    <p:spTree>
+      <p:nvGrpSpPr>
+        <p:cNvPr id="1" name=""/>
+        <p:cNvGrpSpPr/>
+        <p:nvPr/>
+      </p:nvGrpSpPr>
+      <p:grpSpPr>
+        <a:xfrm>
+          <a:off x="0" y="0"/>
+          <a:ext cx="0" cy="0"/>
+          <a:chOff x="0" y="0"/>
+          <a:chExt cx="0" cy="0"/>
+        </a:xfrm>
+      </p:grpSpPr>
+      <p:sp>
+        <p:nvSpPr>
+          <p:cNvPr id="2" name="Title 1"/>
+          <p:cNvSpPr>
+            <a:spLocks noGrp="1"/>
+          </p:cNvSpPr>
+          <p:nvPr>
+            <p:ph type="title"/>
+          </p:nvPr>
+        </p:nvSpPr>
+        <p:spPr/>
+        <p:txBody>
+          <a:bodyPr/>
+          <a:lstStyle/>
+          <a:p>
+            <a:r>
+              <a:rPr lang="en-US" dirty="0" smtClean="0"/>
+              <a:t>BAB I</a:t>
+            </a:r>
+            <a:endParaRPr lang="en-US" dirty="0"/>
+          </a:p>
+        </p:txBody>
+      </p:sp>
+      <p:sp>
+        <p:nvSpPr>
+          <p:cNvPr id="3" name="Content Placeholder 2"/>
+          <p:cNvSpPr>
+            <a:spLocks noGrp="1"/>
+          </p:cNvSpPr>
+          <p:nvPr>
+            <p:ph idx="1"/>
+          </p:nvPr>
+        </p:nvSpPr>
+        <p:spPr/>
+        <p:txBody>
+          <a:bodyPr>
+            <a:normAutofit fontScale="92500" lnSpcReduction="20000"/>
+          </a:bodyPr>
+          <a:lstStyle/>
+          <a:p>
+            <a:pPr lvl="0"/>
+            <a:r>
+              <a:rPr lang="en-US" b="1" dirty="0"/>
+              <a:t>LATAR BELAKANG</a:t>
+            </a:r>
+          </a:p>
+          <a:p>
+            <a:r>
+              <a:rPr lang="id-ID" dirty="0"/>
+              <a:t>Pada zaman sekarang ini banyak sekali orang tua yang kurang perhatian terhadap kecerdasan anaknya yang dapat disebabkan oleh beberapa faktor pendukung diantaranya seperti sistem pendidikan yang kurang tegas, game yang dimainkan anak tidak berbobot dll. Jadi hal itu yang mengakibatkan banyak anak – anak cenderung tidak diasah kemampuan otaknya sehingga ketika anak bertambah usianya anak akan cendurung kurang cerdas. </a:t>
+            </a:r>
+            <a:r>
+              <a:rPr lang="en-US" dirty="0" err="1"/>
+              <a:t>Dengan</a:t>
+            </a:r>
+            <a:r>
+              <a:rPr lang="en-US" dirty="0"/>
+              <a:t> </a:t>
+            </a:r>
+            <a:r>
+              <a:rPr lang="en-US" dirty="0" err="1"/>
+              <a:t>adanya</a:t>
+            </a:r>
+            <a:r>
+              <a:rPr lang="en-US" dirty="0"/>
+              <a:t> </a:t>
+            </a:r>
+            <a:r>
+              <a:rPr lang="en-US" dirty="0" err="1"/>
+              <a:t>faktor</a:t>
+            </a:r>
+            <a:r>
+              <a:rPr lang="en-US" dirty="0"/>
+              <a:t> – </a:t>
+            </a:r>
+            <a:r>
+              <a:rPr lang="en-US" dirty="0" err="1"/>
+              <a:t>faktor</a:t>
+            </a:r>
+            <a:r>
+              <a:rPr lang="en-US" dirty="0"/>
+              <a:t> </a:t>
+            </a:r>
+            <a:r>
+              <a:rPr lang="en-US" dirty="0" err="1"/>
+              <a:t>tersebut</a:t>
+            </a:r>
+            <a:r>
+              <a:rPr lang="en-US" dirty="0"/>
+              <a:t> </a:t>
+            </a:r>
+            <a:r>
+              <a:rPr lang="en-US" dirty="0" err="1"/>
+              <a:t>seharusnya</a:t>
+            </a:r>
+            <a:r>
+              <a:rPr lang="en-US" dirty="0"/>
+              <a:t> para orang </a:t>
+            </a:r>
+            <a:r>
+              <a:rPr lang="en-US" dirty="0" err="1"/>
+              <a:t>tua</a:t>
+            </a:r>
+            <a:r>
+              <a:rPr lang="en-US" dirty="0"/>
+              <a:t> </a:t>
+            </a:r>
+            <a:r>
+              <a:rPr lang="en-US" dirty="0" err="1"/>
+              <a:t>lebih</a:t>
+            </a:r>
+            <a:r>
+              <a:rPr lang="en-US" dirty="0"/>
+              <a:t> </a:t>
+            </a:r>
+            <a:r>
+              <a:rPr lang="en-US" dirty="0" err="1"/>
+              <a:t>cerdas</a:t>
+            </a:r>
+            <a:r>
+              <a:rPr lang="en-US" dirty="0"/>
+              <a:t> </a:t>
+            </a:r>
+            <a:r>
+              <a:rPr lang="en-US" dirty="0" err="1"/>
+              <a:t>dalam</a:t>
+            </a:r>
+            <a:r>
+              <a:rPr lang="en-US" dirty="0"/>
+              <a:t> </a:t>
+            </a:r>
+            <a:r>
+              <a:rPr lang="en-US" dirty="0" err="1"/>
+              <a:t>menangani</a:t>
+            </a:r>
+            <a:r>
+              <a:rPr lang="en-US" dirty="0"/>
+              <a:t> </a:t>
+            </a:r>
+            <a:r>
+              <a:rPr lang="en-US" dirty="0" err="1"/>
+              <a:t>masalah</a:t>
+            </a:r>
+            <a:r>
+              <a:rPr lang="en-US" dirty="0"/>
+              <a:t> </a:t>
+            </a:r>
+            <a:r>
+              <a:rPr lang="en-US" dirty="0" err="1"/>
+              <a:t>ini</a:t>
+            </a:r>
+            <a:r>
+              <a:rPr lang="en-US" dirty="0"/>
+              <a:t> </a:t>
+            </a:r>
+            <a:r>
+              <a:rPr lang="en-US" dirty="0" err="1"/>
+              <a:t>sesuai</a:t>
+            </a:r>
+            <a:r>
+              <a:rPr lang="en-US" dirty="0"/>
+              <a:t> </a:t>
+            </a:r>
+            <a:r>
+              <a:rPr lang="en-US" dirty="0" err="1"/>
+              <a:t>dengan</a:t>
+            </a:r>
+            <a:r>
+              <a:rPr lang="en-US" dirty="0"/>
+              <a:t> </a:t>
+            </a:r>
+            <a:r>
+              <a:rPr lang="en-US" dirty="0" err="1"/>
+              <a:t>kemajuan</a:t>
+            </a:r>
+            <a:r>
+              <a:rPr lang="en-US" dirty="0"/>
+              <a:t> </a:t>
+            </a:r>
+            <a:r>
+              <a:rPr lang="en-US" dirty="0" err="1"/>
+              <a:t>zaman</a:t>
+            </a:r>
+            <a:r>
+              <a:rPr lang="en-US" dirty="0"/>
+              <a:t> </a:t>
+            </a:r>
+            <a:r>
+              <a:rPr lang="en-US" dirty="0" err="1"/>
+              <a:t>ini</a:t>
+            </a:r>
+            <a:r>
+              <a:rPr lang="en-US" dirty="0"/>
+              <a:t>.</a:t>
+            </a:r>
+          </a:p>
+          <a:p>
+            <a:r>
+              <a:rPr lang="en-US" dirty="0"/>
+              <a:t>Di </a:t>
+            </a:r>
+            <a:r>
+              <a:rPr lang="en-US" dirty="0" err="1"/>
+              <a:t>generasi</a:t>
+            </a:r>
+            <a:r>
+              <a:rPr lang="en-US" dirty="0"/>
+              <a:t> </a:t>
+            </a:r>
+            <a:r>
+              <a:rPr lang="en-US" dirty="0" err="1"/>
+              <a:t>ini</a:t>
+            </a:r>
+            <a:r>
+              <a:rPr lang="en-US" dirty="0"/>
+              <a:t> </a:t>
+            </a:r>
+            <a:r>
+              <a:rPr lang="en-US" dirty="0" err="1"/>
+              <a:t>teknologi</a:t>
+            </a:r>
+            <a:r>
+              <a:rPr lang="en-US" dirty="0"/>
+              <a:t> </a:t>
+            </a:r>
+            <a:r>
+              <a:rPr lang="en-US" dirty="0" err="1"/>
+              <a:t>terutama</a:t>
+            </a:r>
+            <a:r>
+              <a:rPr lang="en-US" dirty="0"/>
+              <a:t> di </a:t>
+            </a:r>
+            <a:r>
+              <a:rPr lang="en-US" dirty="0" err="1"/>
+              <a:t>bidang</a:t>
+            </a:r>
+            <a:r>
+              <a:rPr lang="en-US" dirty="0"/>
+              <a:t> </a:t>
+            </a:r>
+            <a:r>
+              <a:rPr lang="en-US" dirty="0" err="1"/>
+              <a:t>teknologi</a:t>
+            </a:r>
+            <a:r>
+              <a:rPr lang="en-US" dirty="0"/>
+              <a:t> </a:t>
+            </a:r>
+            <a:r>
+              <a:rPr lang="en-US" dirty="0" err="1"/>
+              <a:t>informasi</a:t>
+            </a:r>
+            <a:r>
+              <a:rPr lang="en-US" dirty="0"/>
+              <a:t> </a:t>
+            </a:r>
+            <a:r>
+              <a:rPr lang="en-US" dirty="0" err="1"/>
+              <a:t>sudah</a:t>
+            </a:r>
+            <a:r>
+              <a:rPr lang="en-US" dirty="0"/>
+              <a:t> </a:t>
+            </a:r>
+            <a:r>
+              <a:rPr lang="en-US" dirty="0" err="1"/>
+              <a:t>masuk</a:t>
+            </a:r>
+            <a:r>
+              <a:rPr lang="en-US" dirty="0"/>
+              <a:t> </a:t>
+            </a:r>
+            <a:r>
+              <a:rPr lang="en-US" dirty="0" err="1"/>
+              <a:t>ke</a:t>
+            </a:r>
+            <a:r>
+              <a:rPr lang="en-US" dirty="0"/>
+              <a:t> </a:t>
+            </a:r>
+            <a:r>
+              <a:rPr lang="en-US" dirty="0" err="1"/>
+              <a:t>sumsum</a:t>
+            </a:r>
+            <a:r>
+              <a:rPr lang="en-US" dirty="0"/>
+              <a:t> </a:t>
+            </a:r>
+            <a:r>
+              <a:rPr lang="en-US" dirty="0" err="1"/>
+              <a:t>tulang</a:t>
+            </a:r>
+            <a:r>
+              <a:rPr lang="en-US" dirty="0"/>
+              <a:t> </a:t>
+            </a:r>
+            <a:r>
+              <a:rPr lang="en-US" dirty="0" err="1"/>
+              <a:t>kehidupan</a:t>
+            </a:r>
+            <a:r>
+              <a:rPr lang="en-US" dirty="0"/>
+              <a:t> </a:t>
+            </a:r>
+            <a:r>
+              <a:rPr lang="en-US" dirty="0" err="1"/>
+              <a:t>manusia</a:t>
+            </a:r>
+            <a:r>
+              <a:rPr lang="en-US" dirty="0"/>
+              <a:t> yang </a:t>
+            </a:r>
+            <a:r>
+              <a:rPr lang="en-US" dirty="0" err="1"/>
+              <a:t>sudah</a:t>
+            </a:r>
+            <a:r>
+              <a:rPr lang="en-US" dirty="0"/>
+              <a:t> </a:t>
+            </a:r>
+            <a:r>
+              <a:rPr lang="en-US" dirty="0" err="1"/>
+              <a:t>tidak</a:t>
+            </a:r>
+            <a:r>
+              <a:rPr lang="en-US" dirty="0"/>
+              <a:t> </a:t>
+            </a:r>
+            <a:r>
+              <a:rPr lang="en-US" dirty="0" err="1"/>
+              <a:t>dapat</a:t>
+            </a:r>
+            <a:r>
+              <a:rPr lang="en-US" dirty="0"/>
+              <a:t> </a:t>
+            </a:r>
+            <a:r>
+              <a:rPr lang="en-US" dirty="0" err="1"/>
+              <a:t>dipisahkan</a:t>
+            </a:r>
+            <a:r>
+              <a:rPr lang="en-US" dirty="0"/>
+              <a:t> </a:t>
+            </a:r>
+            <a:r>
+              <a:rPr lang="en-US" dirty="0" err="1"/>
+              <a:t>lagi</a:t>
+            </a:r>
+            <a:r>
+              <a:rPr lang="en-US" dirty="0"/>
+              <a:t>. </a:t>
+            </a:r>
+            <a:r>
+              <a:rPr lang="en-US" dirty="0" err="1"/>
+              <a:t>Dengan</a:t>
+            </a:r>
+            <a:r>
+              <a:rPr lang="en-US" dirty="0"/>
+              <a:t> </a:t>
+            </a:r>
+            <a:r>
+              <a:rPr lang="en-US" dirty="0" err="1"/>
+              <a:t>adanya</a:t>
+            </a:r>
+            <a:r>
+              <a:rPr lang="en-US" dirty="0"/>
+              <a:t> </a:t>
+            </a:r>
+            <a:r>
+              <a:rPr lang="en-US" dirty="0" err="1"/>
+              <a:t>aplikasi</a:t>
+            </a:r>
+            <a:r>
+              <a:rPr lang="en-US" dirty="0"/>
+              <a:t> </a:t>
+            </a:r>
+            <a:r>
+              <a:rPr lang="en-US" dirty="0" err="1"/>
+              <a:t>ini</a:t>
+            </a:r>
+            <a:r>
+              <a:rPr lang="en-US" dirty="0"/>
+              <a:t> </a:t>
+            </a:r>
+            <a:r>
+              <a:rPr lang="en-US" dirty="0" err="1"/>
+              <a:t>diharapkan</a:t>
+            </a:r>
+            <a:r>
+              <a:rPr lang="en-US" dirty="0"/>
+              <a:t> </a:t>
+            </a:r>
+            <a:r>
+              <a:rPr lang="en-US" dirty="0" err="1"/>
+              <a:t>membantu</a:t>
+            </a:r>
+            <a:r>
+              <a:rPr lang="en-US" dirty="0"/>
+              <a:t> para orang </a:t>
+            </a:r>
+            <a:r>
+              <a:rPr lang="en-US" dirty="0" err="1"/>
+              <a:t>tua</a:t>
+            </a:r>
+            <a:r>
+              <a:rPr lang="en-US" dirty="0"/>
+              <a:t> </a:t>
+            </a:r>
+            <a:r>
+              <a:rPr lang="en-US" dirty="0" err="1"/>
+              <a:t>dalam</a:t>
+            </a:r>
+            <a:r>
+              <a:rPr lang="en-US" dirty="0"/>
+              <a:t> </a:t>
+            </a:r>
+            <a:r>
+              <a:rPr lang="en-US" dirty="0" err="1"/>
+              <a:t>melatih</a:t>
+            </a:r>
+            <a:r>
+              <a:rPr lang="en-US" dirty="0"/>
+              <a:t> </a:t>
+            </a:r>
+            <a:r>
+              <a:rPr lang="en-US" dirty="0" err="1"/>
+              <a:t>anaknya</a:t>
+            </a:r>
+            <a:endParaRPr lang="en-US" dirty="0"/>
+          </a:p>
+        </p:txBody>
+      </p:sp>
+    </p:spTree>
+    <p:extLst>
+      <p:ext uri="{BB962C8B-B14F-4D97-AF65-F5344CB8AC3E}">
+        <p14:creationId xmlns:p14="http://schemas.microsoft.com/office/powerpoint/2010/main" val="3299304111"/>
+      </p:ext>
+    </p:extLst>
+  </p:cSld>
+  <p:clrMapOvr>
+    <a:masterClrMapping/>
+  </p:clrMapOvr>
+  <p:timing>
+    <p:tnLst>
+      <p:par>
+        <p:cTn id="1" dur="indefinite" restart="never" nodeType="tmRoot"/>
+      </p:par>
+    </p:tnLst>
+  </p:timing>
+</p:sld>
+</file>
+
+<file path=ppt/slides/slide20.xml><?xml version="1.0" encoding="utf-8"?>
 <p:sld xmlns:a="http://schemas.openxmlformats.org/drawingml/2006/main" xmlns:r="http://schemas.openxmlformats.org/officeDocument/2006/relationships" xmlns:p="http://schemas.openxmlformats.org/presentationml/2006/main">
   <p:cSld>
     <p:spTree>
@@ -3956,10 +5156,17 @@
   <p:clrMapOvr>
     <a:masterClrMapping/>
   </p:clrMapOvr>
+  <p:timing>
+    <p:tnLst>
+      <p:par>
+        <p:cTn id="1" dur="indefinite" restart="never" nodeType="tmRoot"/>
+      </p:par>
+    </p:tnLst>
+  </p:timing>
 </p:sld>
 </file>
 
-<file path=ppt/slides/slide19.xml><?xml version="1.0" encoding="utf-8"?>
+<file path=ppt/slides/slide21.xml><?xml version="1.0" encoding="utf-8"?>
 <p:sld xmlns:a="http://schemas.openxmlformats.org/drawingml/2006/main" xmlns:r="http://schemas.openxmlformats.org/officeDocument/2006/relationships" xmlns:p="http://schemas.openxmlformats.org/presentationml/2006/main">
   <p:cSld>
     <p:spTree>
@@ -4054,469 +5261,13 @@
   <p:clrMapOvr>
     <a:masterClrMapping/>
   </p:clrMapOvr>
-</p:sld>
-</file>
-
-<file path=ppt/slides/slide2.xml><?xml version="1.0" encoding="utf-8"?>
-<p:sld xmlns:a="http://schemas.openxmlformats.org/drawingml/2006/main" xmlns:r="http://schemas.openxmlformats.org/officeDocument/2006/relationships" xmlns:p="http://schemas.openxmlformats.org/presentationml/2006/main">
-  <p:cSld>
-    <p:spTree>
-      <p:nvGrpSpPr>
-        <p:cNvPr id="1" name=""/>
-        <p:cNvGrpSpPr/>
-        <p:nvPr/>
-      </p:nvGrpSpPr>
-      <p:grpSpPr>
-        <a:xfrm>
-          <a:off x="0" y="0"/>
-          <a:ext cx="0" cy="0"/>
-          <a:chOff x="0" y="0"/>
-          <a:chExt cx="0" cy="0"/>
-        </a:xfrm>
-      </p:grpSpPr>
-      <p:sp>
-        <p:nvSpPr>
-          <p:cNvPr id="2" name="Title 1"/>
-          <p:cNvSpPr>
-            <a:spLocks noGrp="1"/>
-          </p:cNvSpPr>
-          <p:nvPr>
-            <p:ph type="title"/>
-          </p:nvPr>
-        </p:nvSpPr>
-        <p:spPr/>
-        <p:txBody>
-          <a:bodyPr/>
-          <a:lstStyle/>
-          <a:p>
-            <a:r>
-              <a:rPr lang="en-US" dirty="0" smtClean="0"/>
-              <a:t>BAB I</a:t>
-            </a:r>
-            <a:endParaRPr lang="en-US" dirty="0"/>
-          </a:p>
-        </p:txBody>
-      </p:sp>
-      <p:sp>
-        <p:nvSpPr>
-          <p:cNvPr id="3" name="Content Placeholder 2"/>
-          <p:cNvSpPr>
-            <a:spLocks noGrp="1"/>
-          </p:cNvSpPr>
-          <p:nvPr>
-            <p:ph idx="1"/>
-          </p:nvPr>
-        </p:nvSpPr>
-        <p:spPr/>
-        <p:txBody>
-          <a:bodyPr>
-            <a:normAutofit fontScale="92500" lnSpcReduction="20000"/>
-          </a:bodyPr>
-          <a:lstStyle/>
-          <a:p>
-            <a:pPr lvl="0"/>
-            <a:r>
-              <a:rPr lang="en-US" b="1" dirty="0"/>
-              <a:t>LATAR BELAKANG</a:t>
-            </a:r>
-          </a:p>
-          <a:p>
-            <a:r>
-              <a:rPr lang="id-ID" dirty="0"/>
-              <a:t>Pada zaman sekarang ini banyak sekali orang tua yang kurang perhatian terhadap kecerdasan anaknya yang dapat disebabkan oleh beberapa faktor pendukung diantaranya seperti sistem pendidikan yang kurang tegas, game yang dimainkan anak tidak berbobot dll. Jadi hal itu yang mengakibatkan banyak anak – anak cenderung tidak diasah kemampuan otaknya sehingga ketika anak bertambah usianya anak akan cendurung kurang cerdas. </a:t>
-            </a:r>
-            <a:r>
-              <a:rPr lang="en-US" dirty="0" err="1"/>
-              <a:t>Dengan</a:t>
-            </a:r>
-            <a:r>
-              <a:rPr lang="en-US" dirty="0"/>
-              <a:t> </a:t>
-            </a:r>
-            <a:r>
-              <a:rPr lang="en-US" dirty="0" err="1"/>
-              <a:t>adanya</a:t>
-            </a:r>
-            <a:r>
-              <a:rPr lang="en-US" dirty="0"/>
-              <a:t> </a:t>
-            </a:r>
-            <a:r>
-              <a:rPr lang="en-US" dirty="0" err="1"/>
-              <a:t>faktor</a:t>
-            </a:r>
-            <a:r>
-              <a:rPr lang="en-US" dirty="0"/>
-              <a:t> – </a:t>
-            </a:r>
-            <a:r>
-              <a:rPr lang="en-US" dirty="0" err="1"/>
-              <a:t>faktor</a:t>
-            </a:r>
-            <a:r>
-              <a:rPr lang="en-US" dirty="0"/>
-              <a:t> </a:t>
-            </a:r>
-            <a:r>
-              <a:rPr lang="en-US" dirty="0" err="1"/>
-              <a:t>tersebut</a:t>
-            </a:r>
-            <a:r>
-              <a:rPr lang="en-US" dirty="0"/>
-              <a:t> </a:t>
-            </a:r>
-            <a:r>
-              <a:rPr lang="en-US" dirty="0" err="1"/>
-              <a:t>seharusnya</a:t>
-            </a:r>
-            <a:r>
-              <a:rPr lang="en-US" dirty="0"/>
-              <a:t> para orang </a:t>
-            </a:r>
-            <a:r>
-              <a:rPr lang="en-US" dirty="0" err="1"/>
-              <a:t>tua</a:t>
-            </a:r>
-            <a:r>
-              <a:rPr lang="en-US" dirty="0"/>
-              <a:t> </a:t>
-            </a:r>
-            <a:r>
-              <a:rPr lang="en-US" dirty="0" err="1"/>
-              <a:t>lebih</a:t>
-            </a:r>
-            <a:r>
-              <a:rPr lang="en-US" dirty="0"/>
-              <a:t> </a:t>
-            </a:r>
-            <a:r>
-              <a:rPr lang="en-US" dirty="0" err="1"/>
-              <a:t>cerdas</a:t>
-            </a:r>
-            <a:r>
-              <a:rPr lang="en-US" dirty="0"/>
-              <a:t> </a:t>
-            </a:r>
-            <a:r>
-              <a:rPr lang="en-US" dirty="0" err="1"/>
-              <a:t>dalam</a:t>
-            </a:r>
-            <a:r>
-              <a:rPr lang="en-US" dirty="0"/>
-              <a:t> </a:t>
-            </a:r>
-            <a:r>
-              <a:rPr lang="en-US" dirty="0" err="1"/>
-              <a:t>menangani</a:t>
-            </a:r>
-            <a:r>
-              <a:rPr lang="en-US" dirty="0"/>
-              <a:t> </a:t>
-            </a:r>
-            <a:r>
-              <a:rPr lang="en-US" dirty="0" err="1"/>
-              <a:t>masalah</a:t>
-            </a:r>
-            <a:r>
-              <a:rPr lang="en-US" dirty="0"/>
-              <a:t> </a:t>
-            </a:r>
-            <a:r>
-              <a:rPr lang="en-US" dirty="0" err="1"/>
-              <a:t>ini</a:t>
-            </a:r>
-            <a:r>
-              <a:rPr lang="en-US" dirty="0"/>
-              <a:t> </a:t>
-            </a:r>
-            <a:r>
-              <a:rPr lang="en-US" dirty="0" err="1"/>
-              <a:t>sesuai</a:t>
-            </a:r>
-            <a:r>
-              <a:rPr lang="en-US" dirty="0"/>
-              <a:t> </a:t>
-            </a:r>
-            <a:r>
-              <a:rPr lang="en-US" dirty="0" err="1"/>
-              <a:t>dengan</a:t>
-            </a:r>
-            <a:r>
-              <a:rPr lang="en-US" dirty="0"/>
-              <a:t> </a:t>
-            </a:r>
-            <a:r>
-              <a:rPr lang="en-US" dirty="0" err="1"/>
-              <a:t>kemajuan</a:t>
-            </a:r>
-            <a:r>
-              <a:rPr lang="en-US" dirty="0"/>
-              <a:t> </a:t>
-            </a:r>
-            <a:r>
-              <a:rPr lang="en-US" dirty="0" err="1"/>
-              <a:t>zaman</a:t>
-            </a:r>
-            <a:r>
-              <a:rPr lang="en-US" dirty="0"/>
-              <a:t> </a:t>
-            </a:r>
-            <a:r>
-              <a:rPr lang="en-US" dirty="0" err="1"/>
-              <a:t>ini</a:t>
-            </a:r>
-            <a:r>
-              <a:rPr lang="en-US" dirty="0"/>
-              <a:t>.</a:t>
-            </a:r>
-          </a:p>
-          <a:p>
-            <a:r>
-              <a:rPr lang="en-US" dirty="0"/>
-              <a:t>Di </a:t>
-            </a:r>
-            <a:r>
-              <a:rPr lang="en-US" dirty="0" err="1"/>
-              <a:t>generasi</a:t>
-            </a:r>
-            <a:r>
-              <a:rPr lang="en-US" dirty="0"/>
-              <a:t> </a:t>
-            </a:r>
-            <a:r>
-              <a:rPr lang="en-US" dirty="0" err="1"/>
-              <a:t>ini</a:t>
-            </a:r>
-            <a:r>
-              <a:rPr lang="en-US" dirty="0"/>
-              <a:t> </a:t>
-            </a:r>
-            <a:r>
-              <a:rPr lang="en-US" dirty="0" err="1"/>
-              <a:t>teknologi</a:t>
-            </a:r>
-            <a:r>
-              <a:rPr lang="en-US" dirty="0"/>
-              <a:t> </a:t>
-            </a:r>
-            <a:r>
-              <a:rPr lang="en-US" dirty="0" err="1"/>
-              <a:t>terutama</a:t>
-            </a:r>
-            <a:r>
-              <a:rPr lang="en-US" dirty="0"/>
-              <a:t> di </a:t>
-            </a:r>
-            <a:r>
-              <a:rPr lang="en-US" dirty="0" err="1"/>
-              <a:t>bidang</a:t>
-            </a:r>
-            <a:r>
-              <a:rPr lang="en-US" dirty="0"/>
-              <a:t> </a:t>
-            </a:r>
-            <a:r>
-              <a:rPr lang="en-US" dirty="0" err="1"/>
-              <a:t>teknologi</a:t>
-            </a:r>
-            <a:r>
-              <a:rPr lang="en-US" dirty="0"/>
-              <a:t> </a:t>
-            </a:r>
-            <a:r>
-              <a:rPr lang="en-US" dirty="0" err="1"/>
-              <a:t>informasi</a:t>
-            </a:r>
-            <a:r>
-              <a:rPr lang="en-US" dirty="0"/>
-              <a:t> </a:t>
-            </a:r>
-            <a:r>
-              <a:rPr lang="en-US" dirty="0" err="1"/>
-              <a:t>sudah</a:t>
-            </a:r>
-            <a:r>
-              <a:rPr lang="en-US" dirty="0"/>
-              <a:t> </a:t>
-            </a:r>
-            <a:r>
-              <a:rPr lang="en-US" dirty="0" err="1"/>
-              <a:t>masuk</a:t>
-            </a:r>
-            <a:r>
-              <a:rPr lang="en-US" dirty="0"/>
-              <a:t> </a:t>
-            </a:r>
-            <a:r>
-              <a:rPr lang="en-US" dirty="0" err="1"/>
-              <a:t>ke</a:t>
-            </a:r>
-            <a:r>
-              <a:rPr lang="en-US" dirty="0"/>
-              <a:t> </a:t>
-            </a:r>
-            <a:r>
-              <a:rPr lang="en-US" dirty="0" err="1"/>
-              <a:t>sumsum</a:t>
-            </a:r>
-            <a:r>
-              <a:rPr lang="en-US" dirty="0"/>
-              <a:t> </a:t>
-            </a:r>
-            <a:r>
-              <a:rPr lang="en-US" dirty="0" err="1"/>
-              <a:t>tulang</a:t>
-            </a:r>
-            <a:r>
-              <a:rPr lang="en-US" dirty="0"/>
-              <a:t> </a:t>
-            </a:r>
-            <a:r>
-              <a:rPr lang="en-US" dirty="0" err="1"/>
-              <a:t>kehidupan</a:t>
-            </a:r>
-            <a:r>
-              <a:rPr lang="en-US" dirty="0"/>
-              <a:t> </a:t>
-            </a:r>
-            <a:r>
-              <a:rPr lang="en-US" dirty="0" err="1"/>
-              <a:t>manusia</a:t>
-            </a:r>
-            <a:r>
-              <a:rPr lang="en-US" dirty="0"/>
-              <a:t> yang </a:t>
-            </a:r>
-            <a:r>
-              <a:rPr lang="en-US" dirty="0" err="1"/>
-              <a:t>sudah</a:t>
-            </a:r>
-            <a:r>
-              <a:rPr lang="en-US" dirty="0"/>
-              <a:t> </a:t>
-            </a:r>
-            <a:r>
-              <a:rPr lang="en-US" dirty="0" err="1"/>
-              <a:t>tidak</a:t>
-            </a:r>
-            <a:r>
-              <a:rPr lang="en-US" dirty="0"/>
-              <a:t> </a:t>
-            </a:r>
-            <a:r>
-              <a:rPr lang="en-US" dirty="0" err="1"/>
-              <a:t>dapat</a:t>
-            </a:r>
-            <a:r>
-              <a:rPr lang="en-US" dirty="0"/>
-              <a:t> </a:t>
-            </a:r>
-            <a:r>
-              <a:rPr lang="en-US" dirty="0" err="1"/>
-              <a:t>dipisahkan</a:t>
-            </a:r>
-            <a:r>
-              <a:rPr lang="en-US" dirty="0"/>
-              <a:t> </a:t>
-            </a:r>
-            <a:r>
-              <a:rPr lang="en-US" dirty="0" err="1"/>
-              <a:t>lagi</a:t>
-            </a:r>
-            <a:r>
-              <a:rPr lang="en-US" dirty="0"/>
-              <a:t>. </a:t>
-            </a:r>
-            <a:r>
-              <a:rPr lang="en-US" dirty="0" err="1"/>
-              <a:t>Dengan</a:t>
-            </a:r>
-            <a:r>
-              <a:rPr lang="en-US" dirty="0"/>
-              <a:t> </a:t>
-            </a:r>
-            <a:r>
-              <a:rPr lang="en-US" dirty="0" err="1"/>
-              <a:t>adanya</a:t>
-            </a:r>
-            <a:r>
-              <a:rPr lang="en-US" dirty="0"/>
-              <a:t> </a:t>
-            </a:r>
-            <a:r>
-              <a:rPr lang="en-US" dirty="0" err="1"/>
-              <a:t>aplikasi</a:t>
-            </a:r>
-            <a:r>
-              <a:rPr lang="en-US" dirty="0"/>
-              <a:t> </a:t>
-            </a:r>
-            <a:r>
-              <a:rPr lang="en-US" dirty="0" err="1"/>
-              <a:t>ini</a:t>
-            </a:r>
-            <a:r>
-              <a:rPr lang="en-US" dirty="0"/>
-              <a:t> </a:t>
-            </a:r>
-            <a:r>
-              <a:rPr lang="en-US" dirty="0" err="1"/>
-              <a:t>diharapkan</a:t>
-            </a:r>
-            <a:r>
-              <a:rPr lang="en-US" dirty="0"/>
-              <a:t> </a:t>
-            </a:r>
-            <a:r>
-              <a:rPr lang="en-US" dirty="0" err="1"/>
-              <a:t>membantu</a:t>
-            </a:r>
-            <a:r>
-              <a:rPr lang="en-US" dirty="0"/>
-              <a:t> para orang </a:t>
-            </a:r>
-            <a:r>
-              <a:rPr lang="en-US" dirty="0" err="1"/>
-              <a:t>tua</a:t>
-            </a:r>
-            <a:r>
-              <a:rPr lang="en-US" dirty="0"/>
-              <a:t> </a:t>
-            </a:r>
-            <a:r>
-              <a:rPr lang="en-US" dirty="0" err="1"/>
-              <a:t>dalam</a:t>
-            </a:r>
-            <a:r>
-              <a:rPr lang="en-US" dirty="0"/>
-              <a:t> </a:t>
-            </a:r>
-            <a:r>
-              <a:rPr lang="en-US" dirty="0" err="1"/>
-              <a:t>melatih</a:t>
-            </a:r>
-            <a:r>
-              <a:rPr lang="en-US" dirty="0"/>
-              <a:t> </a:t>
-            </a:r>
-            <a:r>
-              <a:rPr lang="en-US" dirty="0" err="1"/>
-              <a:t>anaknya</a:t>
-            </a:r>
-            <a:endParaRPr lang="en-US" dirty="0"/>
-          </a:p>
-        </p:txBody>
-      </p:sp>
-    </p:spTree>
-    <p:extLst>
-      <p:ext uri="{BB962C8B-B14F-4D97-AF65-F5344CB8AC3E}">
-        <p14:creationId xmlns:p14="http://schemas.microsoft.com/office/powerpoint/2010/main" val="3299304111"/>
-      </p:ext>
-    </p:extLst>
-  </p:cSld>
-  <p:clrMapOvr>
-    <a:masterClrMapping/>
-  </p:clrMapOvr>
+  <p:timing>
+    <p:tnLst>
+      <p:par>
+        <p:cTn id="1" dur="indefinite" restart="never" nodeType="tmRoot"/>
+      </p:par>
+    </p:tnLst>
+  </p:timing>
 </p:sld>
 </file>
 
@@ -4552,63 +5303,12 @@
           <a:bodyPr/>
           <a:lstStyle/>
           <a:p>
-            <a:r>
-              <a:rPr lang="en-US" dirty="0" err="1" smtClean="0"/>
-              <a:t>Tujuan</a:t>
-            </a:r>
-            <a:r>
-              <a:rPr lang="en-US" dirty="0" smtClean="0"/>
-              <a:t> </a:t>
-            </a:r>
-            <a:r>
-              <a:rPr lang="en-US" dirty="0" err="1" smtClean="0"/>
-              <a:t>dari</a:t>
-            </a:r>
-            <a:r>
-              <a:rPr lang="en-US" dirty="0" smtClean="0"/>
-              <a:t> </a:t>
-            </a:r>
-            <a:r>
-              <a:rPr lang="en-US" dirty="0" err="1" smtClean="0"/>
-              <a:t>applikasi</a:t>
-            </a:r>
-            <a:r>
-              <a:rPr lang="en-US" dirty="0" smtClean="0"/>
-              <a:t> </a:t>
-            </a:r>
-            <a:r>
-              <a:rPr lang="en-US" dirty="0" err="1" smtClean="0"/>
-              <a:t>ini</a:t>
-            </a:r>
-            <a:r>
-              <a:rPr lang="en-US" dirty="0" smtClean="0"/>
-              <a:t> </a:t>
-            </a:r>
-            <a:r>
-              <a:rPr lang="en-US" dirty="0" err="1" smtClean="0"/>
-              <a:t>adalah</a:t>
-            </a:r>
-            <a:r>
-              <a:rPr lang="en-US" dirty="0" smtClean="0"/>
-              <a:t> </a:t>
-            </a:r>
-            <a:r>
-              <a:rPr lang="en-US" dirty="0" err="1" smtClean="0"/>
-              <a:t>sebagai</a:t>
-            </a:r>
-            <a:r>
-              <a:rPr lang="en-US" dirty="0" smtClean="0"/>
-              <a:t> </a:t>
-            </a:r>
-            <a:r>
-              <a:rPr lang="en-US" dirty="0" err="1" smtClean="0"/>
-              <a:t>berikut</a:t>
-            </a:r>
-            <a:r>
-              <a:rPr lang="en-US" dirty="0" smtClean="0"/>
-              <a:t>:</a:t>
-            </a:r>
-            <a:endParaRPr lang="en-US" sz="4000" dirty="0"/>
+            <a:pPr lvl="0"/>
+            <a:r>
+              <a:rPr lang="en-US" b="1" smtClean="0"/>
+              <a:t>Rumusan Masalah</a:t>
+            </a:r>
+            <a:endParaRPr lang="id-ID"/>
           </a:p>
         </p:txBody>
       </p:sp>
@@ -4627,345 +5327,38 @@
           <a:bodyPr/>
           <a:lstStyle/>
           <a:p>
-            <a:pPr lvl="1"/>
-            <a:r>
-              <a:rPr lang="en-US" dirty="0" err="1" smtClean="0"/>
-              <a:t>Mengasah</a:t>
-            </a:r>
-            <a:r>
-              <a:rPr lang="en-US" dirty="0" smtClean="0"/>
-              <a:t> </a:t>
-            </a:r>
-            <a:r>
-              <a:rPr lang="en-US" dirty="0" err="1"/>
-              <a:t>otak</a:t>
-            </a:r>
-            <a:r>
-              <a:rPr lang="en-US" dirty="0"/>
-              <a:t> </a:t>
-            </a:r>
-            <a:r>
-              <a:rPr lang="en-US" dirty="0" err="1"/>
-              <a:t>anak</a:t>
-            </a:r>
-            <a:r>
-              <a:rPr lang="en-US" dirty="0"/>
-              <a:t> </a:t>
-            </a:r>
-            <a:r>
-              <a:rPr lang="en-US" dirty="0" err="1"/>
-              <a:t>untuk</a:t>
-            </a:r>
-            <a:r>
-              <a:rPr lang="en-US" dirty="0"/>
-              <a:t> </a:t>
-            </a:r>
-            <a:r>
-              <a:rPr lang="en-US" dirty="0" err="1"/>
-              <a:t>berpikir</a:t>
-            </a:r>
-            <a:r>
-              <a:rPr lang="en-US" dirty="0"/>
-              <a:t> </a:t>
-            </a:r>
-            <a:r>
-              <a:rPr lang="en-US" dirty="0" err="1"/>
-              <a:t>dan</a:t>
-            </a:r>
-            <a:r>
-              <a:rPr lang="en-US" dirty="0"/>
-              <a:t> </a:t>
-            </a:r>
-            <a:r>
-              <a:rPr lang="en-US" dirty="0" err="1"/>
-              <a:t>cara</a:t>
-            </a:r>
-            <a:r>
-              <a:rPr lang="en-US" dirty="0"/>
-              <a:t> </a:t>
-            </a:r>
-            <a:r>
-              <a:rPr lang="en-US" dirty="0" err="1"/>
-              <a:t>untuk</a:t>
-            </a:r>
-            <a:r>
-              <a:rPr lang="en-US" dirty="0"/>
-              <a:t> </a:t>
-            </a:r>
-            <a:r>
-              <a:rPr lang="en-US" dirty="0" err="1"/>
-              <a:t>menyelesaikan</a:t>
-            </a:r>
-            <a:r>
-              <a:rPr lang="en-US" dirty="0"/>
-              <a:t> </a:t>
-            </a:r>
-            <a:r>
-              <a:rPr lang="en-US" dirty="0" err="1"/>
-              <a:t>masalah</a:t>
-            </a:r>
-            <a:r>
-              <a:rPr lang="en-US" dirty="0"/>
-              <a:t> yang </a:t>
-            </a:r>
-            <a:r>
-              <a:rPr lang="en-US" dirty="0" err="1"/>
-              <a:t>ditempuh</a:t>
-            </a:r>
-            <a:r>
-              <a:rPr lang="en-US" dirty="0"/>
-              <a:t> di </a:t>
-            </a:r>
-            <a:r>
-              <a:rPr lang="en-US" dirty="0" err="1"/>
-              <a:t>dalam</a:t>
-            </a:r>
-            <a:r>
-              <a:rPr lang="en-US" dirty="0"/>
-              <a:t> </a:t>
-            </a:r>
-            <a:r>
-              <a:rPr lang="en-US" dirty="0" err="1"/>
-              <a:t>aplikasi</a:t>
-            </a:r>
-            <a:r>
-              <a:rPr lang="en-US" dirty="0"/>
-              <a:t> </a:t>
-            </a:r>
-            <a:r>
-              <a:rPr lang="en-US" dirty="0" err="1"/>
-              <a:t>ini</a:t>
-            </a:r>
-            <a:r>
-              <a:rPr lang="en-US" dirty="0"/>
-              <a:t>.</a:t>
-            </a:r>
-            <a:endParaRPr lang="en-US" sz="2000" dirty="0"/>
-          </a:p>
-          <a:p>
-            <a:pPr lvl="1"/>
-            <a:r>
-              <a:rPr lang="en-US" dirty="0" err="1"/>
-              <a:t>Melatih</a:t>
-            </a:r>
-            <a:r>
-              <a:rPr lang="en-US" dirty="0"/>
-              <a:t> </a:t>
-            </a:r>
-            <a:r>
-              <a:rPr lang="en-US" dirty="0" err="1"/>
-              <a:t>kecepatan</a:t>
-            </a:r>
-            <a:r>
-              <a:rPr lang="en-US" dirty="0"/>
-              <a:t> </a:t>
-            </a:r>
-            <a:r>
-              <a:rPr lang="en-US" dirty="0" err="1"/>
-              <a:t>dan</a:t>
-            </a:r>
-            <a:r>
-              <a:rPr lang="en-US" dirty="0"/>
-              <a:t> </a:t>
-            </a:r>
-            <a:r>
-              <a:rPr lang="en-US" dirty="0" err="1"/>
-              <a:t>ketepatan</a:t>
-            </a:r>
-            <a:r>
-              <a:rPr lang="en-US" dirty="0"/>
-              <a:t> </a:t>
-            </a:r>
-            <a:r>
-              <a:rPr lang="en-US" dirty="0" err="1"/>
-              <a:t>anak</a:t>
-            </a:r>
-            <a:r>
-              <a:rPr lang="en-US" dirty="0"/>
-              <a:t> </a:t>
-            </a:r>
-            <a:r>
-              <a:rPr lang="en-US" dirty="0" err="1"/>
-              <a:t>dalam</a:t>
-            </a:r>
-            <a:r>
-              <a:rPr lang="en-US" dirty="0"/>
-              <a:t> </a:t>
-            </a:r>
-            <a:r>
-              <a:rPr lang="en-US" dirty="0" err="1"/>
-              <a:t>menyelesaikan</a:t>
-            </a:r>
-            <a:r>
-              <a:rPr lang="en-US" dirty="0"/>
-              <a:t> </a:t>
-            </a:r>
-            <a:r>
-              <a:rPr lang="en-US" dirty="0" err="1"/>
-              <a:t>atau</a:t>
-            </a:r>
-            <a:r>
-              <a:rPr lang="en-US" dirty="0"/>
-              <a:t> </a:t>
-            </a:r>
-            <a:r>
-              <a:rPr lang="en-US" dirty="0" err="1"/>
-              <a:t>memecahkan</a:t>
-            </a:r>
-            <a:r>
-              <a:rPr lang="en-US" dirty="0"/>
-              <a:t> </a:t>
-            </a:r>
-            <a:r>
-              <a:rPr lang="en-US" dirty="0" err="1"/>
-              <a:t>masalah</a:t>
-            </a:r>
-            <a:r>
-              <a:rPr lang="en-US" dirty="0"/>
-              <a:t>.</a:t>
-            </a:r>
-            <a:endParaRPr lang="en-US" sz="2000" dirty="0"/>
-          </a:p>
-          <a:p>
-            <a:pPr lvl="1"/>
-            <a:r>
-              <a:rPr lang="en-US" dirty="0" err="1"/>
-              <a:t>Memperlancar</a:t>
-            </a:r>
-            <a:r>
-              <a:rPr lang="en-US" dirty="0"/>
-              <a:t> </a:t>
-            </a:r>
-            <a:r>
-              <a:rPr lang="en-US" dirty="0" err="1"/>
-              <a:t>daya</a:t>
-            </a:r>
-            <a:r>
-              <a:rPr lang="en-US" dirty="0"/>
-              <a:t> </a:t>
-            </a:r>
-            <a:r>
-              <a:rPr lang="en-US" dirty="0" err="1"/>
-              <a:t>ingat</a:t>
-            </a:r>
-            <a:r>
-              <a:rPr lang="en-US" dirty="0"/>
-              <a:t> </a:t>
-            </a:r>
-            <a:r>
-              <a:rPr lang="en-US" dirty="0" err="1"/>
-              <a:t>anak</a:t>
-            </a:r>
-            <a:r>
-              <a:rPr lang="en-US" dirty="0"/>
-              <a:t>.</a:t>
-            </a:r>
-            <a:endParaRPr lang="en-US" sz="2000" dirty="0"/>
-          </a:p>
-          <a:p>
-            <a:pPr lvl="1"/>
-            <a:r>
-              <a:rPr lang="en-US" dirty="0" err="1"/>
-              <a:t>Meningkatkan</a:t>
-            </a:r>
-            <a:r>
-              <a:rPr lang="en-US" dirty="0"/>
-              <a:t> </a:t>
-            </a:r>
-            <a:r>
-              <a:rPr lang="en-US" dirty="0" err="1"/>
-              <a:t>keingintahuan</a:t>
-            </a:r>
-            <a:r>
-              <a:rPr lang="en-US" dirty="0"/>
-              <a:t> </a:t>
-            </a:r>
-            <a:r>
-              <a:rPr lang="en-US" dirty="0" err="1"/>
-              <a:t>anak</a:t>
-            </a:r>
-            <a:r>
-              <a:rPr lang="en-US" dirty="0"/>
-              <a:t> </a:t>
-            </a:r>
-            <a:r>
-              <a:rPr lang="en-US" dirty="0" err="1"/>
-              <a:t>semakin</a:t>
-            </a:r>
-            <a:r>
-              <a:rPr lang="en-US" dirty="0"/>
-              <a:t> </a:t>
-            </a:r>
-            <a:r>
-              <a:rPr lang="en-US" dirty="0" err="1"/>
-              <a:t>besar</a:t>
-            </a:r>
-            <a:endParaRPr lang="en-US" sz="2000" dirty="0"/>
-          </a:p>
-          <a:p>
-            <a:pPr lvl="1"/>
-            <a:r>
-              <a:rPr lang="en-US" dirty="0" err="1"/>
-              <a:t>Menambah</a:t>
-            </a:r>
-            <a:r>
-              <a:rPr lang="en-US" dirty="0"/>
-              <a:t> </a:t>
-            </a:r>
-            <a:r>
-              <a:rPr lang="en-US" dirty="0" err="1"/>
-              <a:t>wawasan</a:t>
-            </a:r>
-            <a:r>
-              <a:rPr lang="en-US" dirty="0"/>
-              <a:t> </a:t>
-            </a:r>
-            <a:r>
-              <a:rPr lang="en-US" dirty="0" err="1"/>
-              <a:t>anak</a:t>
-            </a:r>
-            <a:r>
-              <a:rPr lang="en-US" dirty="0"/>
-              <a:t> </a:t>
-            </a:r>
-            <a:r>
-              <a:rPr lang="en-US" dirty="0" err="1"/>
-              <a:t>menjadi</a:t>
-            </a:r>
-            <a:r>
-              <a:rPr lang="en-US" dirty="0"/>
-              <a:t> </a:t>
-            </a:r>
-            <a:r>
-              <a:rPr lang="en-US" dirty="0" err="1"/>
-              <a:t>semakin</a:t>
-            </a:r>
-            <a:r>
-              <a:rPr lang="en-US" dirty="0"/>
-              <a:t> </a:t>
-            </a:r>
-            <a:r>
-              <a:rPr lang="en-US" dirty="0" err="1"/>
-              <a:t>luas</a:t>
-            </a:r>
-            <a:r>
-              <a:rPr lang="en-US" dirty="0"/>
-              <a:t>.</a:t>
-            </a:r>
-            <a:endParaRPr lang="en-US" sz="2000" dirty="0"/>
+            <a:pPr lvl="0"/>
+            <a:r>
+              <a:rPr lang="en-US" smtClean="0"/>
+              <a:t>Bagaimana cara meningkatkan kemampuan otak anak?</a:t>
+            </a:r>
+            <a:endParaRPr lang="id-ID" smtClean="0"/>
+          </a:p>
+          <a:p>
+            <a:pPr lvl="0"/>
+            <a:r>
+              <a:rPr lang="en-US" smtClean="0"/>
+              <a:t>Anak anda suka main game dan anda tidak punya waktu untuk meningkatkan kemampuannya?</a:t>
+            </a:r>
+            <a:endParaRPr lang="id-ID" smtClean="0"/>
+          </a:p>
+          <a:p>
+            <a:endParaRPr lang="id-ID"/>
           </a:p>
         </p:txBody>
       </p:sp>
     </p:spTree>
-    <p:extLst>
-      <p:ext uri="{BB962C8B-B14F-4D97-AF65-F5344CB8AC3E}">
-        <p14:creationId xmlns:p14="http://schemas.microsoft.com/office/powerpoint/2010/main" val="3665498380"/>
-      </p:ext>
-    </p:extLst>
   </p:cSld>
   <p:clrMapOvr>
     <a:masterClrMapping/>
   </p:clrMapOvr>
+  <p:timing>
+    <p:tnLst>
+      <p:par>
+        <p:cTn id="1" dur="indefinite" restart="never" nodeType="tmRoot"/>
+      </p:par>
+    </p:tnLst>
+  </p:timing>
 </p:sld>
 </file>
 
@@ -5001,7 +5394,63 @@
           <a:bodyPr/>
           <a:lstStyle/>
           <a:p>
-            <a:endParaRPr lang="en-US" dirty="0"/>
+            <a:r>
+              <a:rPr lang="en-US" dirty="0" err="1" smtClean="0"/>
+              <a:t>Tujuan</a:t>
+            </a:r>
+            <a:r>
+              <a:rPr lang="en-US" dirty="0" smtClean="0"/>
+              <a:t> </a:t>
+            </a:r>
+            <a:r>
+              <a:rPr lang="en-US" dirty="0" err="1" smtClean="0"/>
+              <a:t>dari</a:t>
+            </a:r>
+            <a:r>
+              <a:rPr lang="en-US" dirty="0" smtClean="0"/>
+              <a:t> </a:t>
+            </a:r>
+            <a:r>
+              <a:rPr lang="en-US" dirty="0" err="1" smtClean="0"/>
+              <a:t>applikasi</a:t>
+            </a:r>
+            <a:r>
+              <a:rPr lang="en-US" dirty="0" smtClean="0"/>
+              <a:t> </a:t>
+            </a:r>
+            <a:r>
+              <a:rPr lang="en-US" dirty="0" err="1" smtClean="0"/>
+              <a:t>ini</a:t>
+            </a:r>
+            <a:r>
+              <a:rPr lang="en-US" dirty="0" smtClean="0"/>
+              <a:t> </a:t>
+            </a:r>
+            <a:r>
+              <a:rPr lang="en-US" dirty="0" err="1" smtClean="0"/>
+              <a:t>adalah</a:t>
+            </a:r>
+            <a:r>
+              <a:rPr lang="en-US" dirty="0" smtClean="0"/>
+              <a:t> </a:t>
+            </a:r>
+            <a:r>
+              <a:rPr lang="en-US" dirty="0" err="1" smtClean="0"/>
+              <a:t>sebagai</a:t>
+            </a:r>
+            <a:r>
+              <a:rPr lang="en-US" dirty="0" smtClean="0"/>
+              <a:t> </a:t>
+            </a:r>
+            <a:r>
+              <a:rPr lang="en-US" dirty="0" err="1" smtClean="0"/>
+              <a:t>berikut</a:t>
+            </a:r>
+            <a:r>
+              <a:rPr lang="en-US" dirty="0" smtClean="0"/>
+              <a:t>:</a:t>
+            </a:r>
+            <a:endParaRPr lang="en-US" sz="4000" dirty="0"/>
           </a:p>
         </p:txBody>
       </p:sp>
@@ -5020,24 +5469,352 @@
           <a:bodyPr/>
           <a:lstStyle/>
           <a:p>
-            <a:r>
-              <a:rPr lang="id-ID" dirty="0"/>
-              <a:t>Keluaran yang kami harapkan dari PKM-KC ini adalah aplikasi sederhana yang dapat mengasah otak anak yang dapat menghasilkan anak-anak yang memiliki pola pikir yang luas, serta tepat dan cepat dalam memutuskan keputusan, dan juga memiliki daya ingat yang baik sebagai penerus bangsa.</a:t>
-            </a:r>
-            <a:endParaRPr lang="en-US" dirty="0"/>
+            <a:pPr lvl="1"/>
+            <a:r>
+              <a:rPr lang="en-US" dirty="0" err="1" smtClean="0"/>
+              <a:t>Mengasah</a:t>
+            </a:r>
+            <a:r>
+              <a:rPr lang="en-US" dirty="0" smtClean="0"/>
+              <a:t> </a:t>
+            </a:r>
+            <a:r>
+              <a:rPr lang="en-US" dirty="0" err="1"/>
+              <a:t>otak</a:t>
+            </a:r>
+            <a:r>
+              <a:rPr lang="en-US" dirty="0"/>
+              <a:t> </a:t>
+            </a:r>
+            <a:r>
+              <a:rPr lang="en-US" dirty="0" err="1"/>
+              <a:t>anak</a:t>
+            </a:r>
+            <a:r>
+              <a:rPr lang="en-US" dirty="0"/>
+              <a:t> </a:t>
+            </a:r>
+            <a:r>
+              <a:rPr lang="en-US" dirty="0" err="1"/>
+              <a:t>untuk</a:t>
+            </a:r>
+            <a:r>
+              <a:rPr lang="en-US" dirty="0"/>
+              <a:t> </a:t>
+            </a:r>
+            <a:r>
+              <a:rPr lang="en-US" dirty="0" err="1"/>
+              <a:t>berpikir</a:t>
+            </a:r>
+            <a:r>
+              <a:rPr lang="en-US" dirty="0"/>
+              <a:t> </a:t>
+            </a:r>
+            <a:r>
+              <a:rPr lang="en-US" dirty="0" err="1"/>
+              <a:t>dan</a:t>
+            </a:r>
+            <a:r>
+              <a:rPr lang="en-US" dirty="0"/>
+              <a:t> </a:t>
+            </a:r>
+            <a:r>
+              <a:rPr lang="en-US" dirty="0" err="1"/>
+              <a:t>cara</a:t>
+            </a:r>
+            <a:r>
+              <a:rPr lang="en-US" dirty="0"/>
+              <a:t> </a:t>
+            </a:r>
+            <a:r>
+              <a:rPr lang="en-US" dirty="0" err="1"/>
+              <a:t>untuk</a:t>
+            </a:r>
+            <a:r>
+              <a:rPr lang="en-US" dirty="0"/>
+              <a:t> </a:t>
+            </a:r>
+            <a:r>
+              <a:rPr lang="en-US" dirty="0" err="1"/>
+              <a:t>menyelesaikan</a:t>
+            </a:r>
+            <a:r>
+              <a:rPr lang="en-US" dirty="0"/>
+              <a:t> </a:t>
+            </a:r>
+            <a:r>
+              <a:rPr lang="en-US" dirty="0" err="1"/>
+              <a:t>masalah</a:t>
+            </a:r>
+            <a:r>
+              <a:rPr lang="en-US" dirty="0"/>
+              <a:t> yang </a:t>
+            </a:r>
+            <a:r>
+              <a:rPr lang="en-US" dirty="0" err="1"/>
+              <a:t>ditempuh</a:t>
+            </a:r>
+            <a:r>
+              <a:rPr lang="en-US" dirty="0"/>
+              <a:t> di </a:t>
+            </a:r>
+            <a:r>
+              <a:rPr lang="en-US" dirty="0" err="1"/>
+              <a:t>dalam</a:t>
+            </a:r>
+            <a:r>
+              <a:rPr lang="en-US" dirty="0"/>
+              <a:t> </a:t>
+            </a:r>
+            <a:r>
+              <a:rPr lang="en-US" dirty="0" err="1"/>
+              <a:t>aplikasi</a:t>
+            </a:r>
+            <a:r>
+              <a:rPr lang="en-US" dirty="0"/>
+              <a:t> </a:t>
+            </a:r>
+            <a:r>
+              <a:rPr lang="en-US" dirty="0" err="1"/>
+              <a:t>ini</a:t>
+            </a:r>
+            <a:r>
+              <a:rPr lang="en-US" dirty="0"/>
+              <a:t>.</a:t>
+            </a:r>
+            <a:endParaRPr lang="en-US" sz="2000" dirty="0"/>
+          </a:p>
+          <a:p>
+            <a:pPr lvl="1"/>
+            <a:r>
+              <a:rPr lang="en-US" dirty="0" err="1"/>
+              <a:t>Melatih</a:t>
+            </a:r>
+            <a:r>
+              <a:rPr lang="en-US" dirty="0"/>
+              <a:t> </a:t>
+            </a:r>
+            <a:r>
+              <a:rPr lang="en-US" dirty="0" err="1"/>
+              <a:t>kecepatan</a:t>
+            </a:r>
+            <a:r>
+              <a:rPr lang="en-US" dirty="0"/>
+              <a:t> </a:t>
+            </a:r>
+            <a:r>
+              <a:rPr lang="en-US" dirty="0" err="1"/>
+              <a:t>dan</a:t>
+            </a:r>
+            <a:r>
+              <a:rPr lang="en-US" dirty="0"/>
+              <a:t> </a:t>
+            </a:r>
+            <a:r>
+              <a:rPr lang="en-US" dirty="0" err="1"/>
+              <a:t>ketepatan</a:t>
+            </a:r>
+            <a:r>
+              <a:rPr lang="en-US" dirty="0"/>
+              <a:t> </a:t>
+            </a:r>
+            <a:r>
+              <a:rPr lang="en-US" dirty="0" err="1"/>
+              <a:t>anak</a:t>
+            </a:r>
+            <a:r>
+              <a:rPr lang="en-US" dirty="0"/>
+              <a:t> </a:t>
+            </a:r>
+            <a:r>
+              <a:rPr lang="en-US" dirty="0" err="1"/>
+              <a:t>dalam</a:t>
+            </a:r>
+            <a:r>
+              <a:rPr lang="en-US" dirty="0"/>
+              <a:t> </a:t>
+            </a:r>
+            <a:r>
+              <a:rPr lang="en-US" dirty="0" err="1"/>
+              <a:t>menyelesaikan</a:t>
+            </a:r>
+            <a:r>
+              <a:rPr lang="en-US" dirty="0"/>
+              <a:t> </a:t>
+            </a:r>
+            <a:r>
+              <a:rPr lang="en-US" dirty="0" err="1"/>
+              <a:t>atau</a:t>
+            </a:r>
+            <a:r>
+              <a:rPr lang="en-US" dirty="0"/>
+              <a:t> </a:t>
+            </a:r>
+            <a:r>
+              <a:rPr lang="en-US" dirty="0" err="1"/>
+              <a:t>memecahkan</a:t>
+            </a:r>
+            <a:r>
+              <a:rPr lang="en-US" dirty="0"/>
+              <a:t> </a:t>
+            </a:r>
+            <a:r>
+              <a:rPr lang="en-US" dirty="0" err="1"/>
+              <a:t>masalah</a:t>
+            </a:r>
+            <a:r>
+              <a:rPr lang="en-US" dirty="0"/>
+              <a:t>.</a:t>
+            </a:r>
+            <a:endParaRPr lang="en-US" sz="2000" dirty="0"/>
+          </a:p>
+          <a:p>
+            <a:pPr lvl="1"/>
+            <a:r>
+              <a:rPr lang="en-US" dirty="0" err="1"/>
+              <a:t>Memperlancar</a:t>
+            </a:r>
+            <a:r>
+              <a:rPr lang="en-US" dirty="0"/>
+              <a:t> </a:t>
+            </a:r>
+            <a:r>
+              <a:rPr lang="en-US" dirty="0" err="1"/>
+              <a:t>daya</a:t>
+            </a:r>
+            <a:r>
+              <a:rPr lang="en-US" dirty="0"/>
+              <a:t> </a:t>
+            </a:r>
+            <a:r>
+              <a:rPr lang="en-US" dirty="0" err="1"/>
+              <a:t>ingat</a:t>
+            </a:r>
+            <a:r>
+              <a:rPr lang="en-US" dirty="0"/>
+              <a:t> </a:t>
+            </a:r>
+            <a:r>
+              <a:rPr lang="en-US" dirty="0" err="1"/>
+              <a:t>anak</a:t>
+            </a:r>
+            <a:r>
+              <a:rPr lang="en-US" dirty="0"/>
+              <a:t>.</a:t>
+            </a:r>
+            <a:endParaRPr lang="en-US" sz="2000" dirty="0"/>
+          </a:p>
+          <a:p>
+            <a:pPr lvl="1"/>
+            <a:r>
+              <a:rPr lang="en-US" dirty="0" err="1"/>
+              <a:t>Meningkatkan</a:t>
+            </a:r>
+            <a:r>
+              <a:rPr lang="en-US" dirty="0"/>
+              <a:t> </a:t>
+            </a:r>
+            <a:r>
+              <a:rPr lang="en-US" dirty="0" err="1"/>
+              <a:t>keingintahuan</a:t>
+            </a:r>
+            <a:r>
+              <a:rPr lang="en-US" dirty="0"/>
+              <a:t> </a:t>
+            </a:r>
+            <a:r>
+              <a:rPr lang="en-US" dirty="0" err="1"/>
+              <a:t>anak</a:t>
+            </a:r>
+            <a:r>
+              <a:rPr lang="en-US" dirty="0"/>
+              <a:t> </a:t>
+            </a:r>
+            <a:r>
+              <a:rPr lang="en-US" dirty="0" err="1"/>
+              <a:t>semakin</a:t>
+            </a:r>
+            <a:r>
+              <a:rPr lang="en-US" dirty="0"/>
+              <a:t> </a:t>
+            </a:r>
+            <a:r>
+              <a:rPr lang="en-US" dirty="0" err="1"/>
+              <a:t>besar</a:t>
+            </a:r>
+            <a:endParaRPr lang="en-US" sz="2000" dirty="0"/>
+          </a:p>
+          <a:p>
+            <a:pPr lvl="1"/>
+            <a:r>
+              <a:rPr lang="en-US" dirty="0" err="1"/>
+              <a:t>Menambah</a:t>
+            </a:r>
+            <a:r>
+              <a:rPr lang="en-US" dirty="0"/>
+              <a:t> </a:t>
+            </a:r>
+            <a:r>
+              <a:rPr lang="en-US" dirty="0" err="1"/>
+              <a:t>wawasan</a:t>
+            </a:r>
+            <a:r>
+              <a:rPr lang="en-US" dirty="0"/>
+              <a:t> </a:t>
+            </a:r>
+            <a:r>
+              <a:rPr lang="en-US" dirty="0" err="1"/>
+              <a:t>anak</a:t>
+            </a:r>
+            <a:r>
+              <a:rPr lang="en-US" dirty="0"/>
+              <a:t> </a:t>
+            </a:r>
+            <a:r>
+              <a:rPr lang="en-US" dirty="0" err="1"/>
+              <a:t>menjadi</a:t>
+            </a:r>
+            <a:r>
+              <a:rPr lang="en-US" dirty="0"/>
+              <a:t> </a:t>
+            </a:r>
+            <a:r>
+              <a:rPr lang="en-US" dirty="0" err="1"/>
+              <a:t>semakin</a:t>
+            </a:r>
+            <a:r>
+              <a:rPr lang="en-US" dirty="0"/>
+              <a:t> </a:t>
+            </a:r>
+            <a:r>
+              <a:rPr lang="en-US" dirty="0" err="1"/>
+              <a:t>luas</a:t>
+            </a:r>
+            <a:r>
+              <a:rPr lang="en-US" dirty="0"/>
+              <a:t>.</a:t>
+            </a:r>
+            <a:endParaRPr lang="en-US" sz="2000" dirty="0"/>
           </a:p>
         </p:txBody>
       </p:sp>
     </p:spTree>
     <p:extLst>
       <p:ext uri="{BB962C8B-B14F-4D97-AF65-F5344CB8AC3E}">
-        <p14:creationId xmlns:p14="http://schemas.microsoft.com/office/powerpoint/2010/main" val="3075737363"/>
+        <p14:creationId xmlns:p14="http://schemas.microsoft.com/office/powerpoint/2010/main" val="3665498380"/>
       </p:ext>
     </p:extLst>
   </p:cSld>
   <p:clrMapOvr>
     <a:masterClrMapping/>
   </p:clrMapOvr>
+  <p:timing>
+    <p:tnLst>
+      <p:par>
+        <p:cTn id="1" dur="indefinite" restart="never" nodeType="tmRoot"/>
+      </p:par>
+    </p:tnLst>
+  </p:timing>
 </p:sld>
 </file>
 
@@ -5074,8 +5851,8 @@
           <a:lstStyle/>
           <a:p>
             <a:r>
-              <a:rPr lang="en-US" dirty="0" smtClean="0"/>
-              <a:t>Requirement Cards / Features</a:t>
+              <a:rPr lang="en-US" dirty="0" err="1" smtClean="0"/>
+              <a:t>Luaran</a:t>
             </a:r>
             <a:endParaRPr lang="en-US" dirty="0"/>
           </a:p>
@@ -5093,350 +5870,42 @@
         </p:nvSpPr>
         <p:spPr/>
         <p:txBody>
-          <a:bodyPr>
-            <a:normAutofit/>
-          </a:bodyPr>
-          <a:lstStyle/>
-          <a:p>
-            <a:r>
-              <a:rPr lang="en-US" dirty="0" smtClean="0"/>
-              <a:t>Design UI yang Familiar</a:t>
-            </a:r>
-          </a:p>
-          <a:p>
-            <a:pPr marL="457200" lvl="1" indent="0">
-              <a:buNone/>
-            </a:pPr>
-            <a:r>
-              <a:rPr lang="en-US" dirty="0" err="1" smtClean="0"/>
-              <a:t>Fitur</a:t>
-            </a:r>
-            <a:r>
-              <a:rPr lang="en-US" dirty="0" smtClean="0"/>
-              <a:t> </a:t>
-            </a:r>
-            <a:r>
-              <a:rPr lang="en-US" dirty="0" err="1" smtClean="0"/>
-              <a:t>ini</a:t>
-            </a:r>
-            <a:r>
-              <a:rPr lang="en-US" dirty="0" smtClean="0"/>
-              <a:t> </a:t>
-            </a:r>
-            <a:r>
-              <a:rPr lang="en-US" dirty="0" err="1" smtClean="0"/>
-              <a:t>akan</a:t>
-            </a:r>
-            <a:r>
-              <a:rPr lang="en-US" dirty="0" smtClean="0"/>
-              <a:t> </a:t>
-            </a:r>
-            <a:r>
-              <a:rPr lang="en-US" dirty="0" err="1" smtClean="0"/>
-              <a:t>sangat</a:t>
-            </a:r>
-            <a:r>
-              <a:rPr lang="en-US" dirty="0" smtClean="0"/>
-              <a:t> </a:t>
-            </a:r>
-            <a:r>
-              <a:rPr lang="en-US" dirty="0" err="1" smtClean="0"/>
-              <a:t>membantu</a:t>
-            </a:r>
-            <a:r>
-              <a:rPr lang="en-US" dirty="0" smtClean="0"/>
-              <a:t> user </a:t>
-            </a:r>
-            <a:r>
-              <a:rPr lang="en-US" dirty="0" err="1" smtClean="0"/>
-              <a:t>dalam</a:t>
-            </a:r>
-            <a:r>
-              <a:rPr lang="en-US" dirty="0" smtClean="0"/>
-              <a:t> </a:t>
-            </a:r>
-            <a:r>
-              <a:rPr lang="en-US" dirty="0" err="1" smtClean="0"/>
-              <a:t>permainan</a:t>
-            </a:r>
-            <a:r>
-              <a:rPr lang="en-US" dirty="0" smtClean="0"/>
-              <a:t> </a:t>
-            </a:r>
-            <a:r>
-              <a:rPr lang="en-US" dirty="0" err="1" smtClean="0"/>
-              <a:t>dimana</a:t>
-            </a:r>
-            <a:r>
-              <a:rPr lang="en-US" dirty="0" smtClean="0"/>
-              <a:t> </a:t>
-            </a:r>
-            <a:r>
-              <a:rPr lang="en-US" dirty="0" err="1" smtClean="0"/>
-              <a:t>memiliki</a:t>
-            </a:r>
-            <a:r>
-              <a:rPr lang="en-US" dirty="0" smtClean="0"/>
-              <a:t> </a:t>
-            </a:r>
-            <a:r>
-              <a:rPr lang="en-US" dirty="0" err="1" smtClean="0"/>
-              <a:t>tampilan</a:t>
-            </a:r>
-            <a:r>
-              <a:rPr lang="en-US" dirty="0" smtClean="0"/>
-              <a:t> yang </a:t>
-            </a:r>
-            <a:r>
-              <a:rPr lang="en-US" dirty="0" err="1" smtClean="0"/>
-              <a:t>mudah</a:t>
-            </a:r>
-            <a:r>
-              <a:rPr lang="en-US" dirty="0" smtClean="0"/>
-              <a:t> </a:t>
-            </a:r>
-            <a:r>
-              <a:rPr lang="en-US" dirty="0" err="1" smtClean="0"/>
-              <a:t>dimengerti</a:t>
-            </a:r>
-            <a:r>
-              <a:rPr lang="en-US" dirty="0" smtClean="0"/>
-              <a:t> </a:t>
-            </a:r>
-            <a:r>
-              <a:rPr lang="en-US" dirty="0" err="1" smtClean="0"/>
-              <a:t>dan</a:t>
-            </a:r>
-            <a:r>
-              <a:rPr lang="en-US" dirty="0" smtClean="0"/>
-              <a:t> familiar </a:t>
-            </a:r>
-            <a:r>
-              <a:rPr lang="en-US" dirty="0" err="1" smtClean="0"/>
-              <a:t>contoh</a:t>
-            </a:r>
-            <a:r>
-              <a:rPr lang="en-US" dirty="0" smtClean="0"/>
-              <a:t>: </a:t>
-            </a:r>
-            <a:r>
-              <a:rPr lang="en-US" dirty="0" err="1" smtClean="0"/>
-              <a:t>dalam</a:t>
-            </a:r>
-            <a:r>
-              <a:rPr lang="en-US" dirty="0" smtClean="0"/>
-              <a:t> </a:t>
-            </a:r>
-            <a:r>
-              <a:rPr lang="en-US" dirty="0" err="1" smtClean="0"/>
-              <a:t>permainan</a:t>
-            </a:r>
-            <a:r>
-              <a:rPr lang="en-US" dirty="0" smtClean="0"/>
-              <a:t> </a:t>
-            </a:r>
-            <a:r>
-              <a:rPr lang="en-US" dirty="0" err="1" smtClean="0"/>
-              <a:t>angka</a:t>
-            </a:r>
-            <a:r>
-              <a:rPr lang="en-US" dirty="0" smtClean="0"/>
-              <a:t> user </a:t>
-            </a:r>
-            <a:r>
-              <a:rPr lang="en-US" dirty="0" err="1" smtClean="0"/>
-              <a:t>tidak</a:t>
-            </a:r>
-            <a:r>
-              <a:rPr lang="en-US" dirty="0" smtClean="0"/>
-              <a:t> </a:t>
-            </a:r>
-            <a:r>
-              <a:rPr lang="en-US" dirty="0" err="1" smtClean="0"/>
-              <a:t>perlu</a:t>
-            </a:r>
-            <a:r>
-              <a:rPr lang="en-US" dirty="0" smtClean="0"/>
-              <a:t> </a:t>
-            </a:r>
-            <a:r>
-              <a:rPr lang="en-US" dirty="0" err="1" smtClean="0"/>
-              <a:t>mengunakan</a:t>
-            </a:r>
-            <a:r>
-              <a:rPr lang="en-US" dirty="0" smtClean="0"/>
-              <a:t> keyboard </a:t>
-            </a:r>
-            <a:r>
-              <a:rPr lang="en-US" dirty="0" err="1" smtClean="0"/>
-              <a:t>pada</a:t>
-            </a:r>
-            <a:r>
-              <a:rPr lang="en-US" dirty="0" smtClean="0"/>
-              <a:t> </a:t>
-            </a:r>
-            <a:r>
-              <a:rPr lang="en-US" dirty="0" err="1" smtClean="0"/>
-              <a:t>bawaan</a:t>
-            </a:r>
-            <a:r>
-              <a:rPr lang="en-US" dirty="0" smtClean="0"/>
-              <a:t> phone </a:t>
-            </a:r>
-            <a:r>
-              <a:rPr lang="en-US" dirty="0" err="1" smtClean="0"/>
-              <a:t>seperti</a:t>
-            </a:r>
-            <a:r>
-              <a:rPr lang="en-US" dirty="0" smtClean="0"/>
-              <a:t> android keyboard </a:t>
-            </a:r>
-            <a:r>
-              <a:rPr lang="en-US" dirty="0" err="1" smtClean="0"/>
-              <a:t>karena</a:t>
-            </a:r>
-            <a:r>
-              <a:rPr lang="en-US" dirty="0" smtClean="0"/>
-              <a:t> kami </a:t>
-            </a:r>
-            <a:r>
-              <a:rPr lang="en-US" dirty="0" err="1" smtClean="0"/>
-              <a:t>sudah</a:t>
-            </a:r>
-            <a:r>
-              <a:rPr lang="en-US" dirty="0" smtClean="0"/>
-              <a:t> </a:t>
-            </a:r>
-            <a:r>
-              <a:rPr lang="en-US" dirty="0" err="1" smtClean="0"/>
-              <a:t>menyediakan</a:t>
-            </a:r>
-            <a:r>
-              <a:rPr lang="en-US" dirty="0" smtClean="0"/>
-              <a:t> </a:t>
-            </a:r>
-            <a:r>
-              <a:rPr lang="en-US" dirty="0" err="1" smtClean="0"/>
-              <a:t>angka</a:t>
-            </a:r>
-            <a:r>
-              <a:rPr lang="en-US" dirty="0" smtClean="0"/>
-              <a:t> </a:t>
-            </a:r>
-            <a:r>
-              <a:rPr lang="en-US" dirty="0" err="1" smtClean="0"/>
-              <a:t>pada</a:t>
-            </a:r>
-            <a:r>
-              <a:rPr lang="en-US" dirty="0" smtClean="0"/>
-              <a:t> screen.</a:t>
-            </a:r>
-          </a:p>
-          <a:p>
-            <a:r>
-              <a:rPr lang="en-US" dirty="0" smtClean="0"/>
-              <a:t>Mode Game</a:t>
-            </a:r>
-          </a:p>
-          <a:p>
-            <a:pPr marL="457200" lvl="1" indent="0">
-              <a:buNone/>
-            </a:pPr>
-            <a:r>
-              <a:rPr lang="en-US" dirty="0" err="1" smtClean="0"/>
-              <a:t>Disini</a:t>
-            </a:r>
-            <a:r>
-              <a:rPr lang="en-US" dirty="0" smtClean="0"/>
-              <a:t> user </a:t>
-            </a:r>
-            <a:r>
-              <a:rPr lang="en-US" dirty="0" err="1" smtClean="0"/>
-              <a:t>dapat</a:t>
-            </a:r>
-            <a:r>
-              <a:rPr lang="en-US" dirty="0" smtClean="0"/>
-              <a:t> </a:t>
-            </a:r>
-            <a:r>
-              <a:rPr lang="en-US" dirty="0" err="1" smtClean="0"/>
-              <a:t>memilih</a:t>
-            </a:r>
-            <a:r>
-              <a:rPr lang="en-US" dirty="0" smtClean="0"/>
-              <a:t> mode </a:t>
-            </a:r>
-            <a:r>
-              <a:rPr lang="en-US" dirty="0" err="1" smtClean="0"/>
-              <a:t>permainan</a:t>
-            </a:r>
-            <a:r>
-              <a:rPr lang="en-US" dirty="0" smtClean="0"/>
-              <a:t> yang </a:t>
-            </a:r>
-            <a:r>
-              <a:rPr lang="en-US" dirty="0" err="1" smtClean="0"/>
-              <a:t>terdiri</a:t>
-            </a:r>
-            <a:r>
-              <a:rPr lang="en-US" dirty="0" smtClean="0"/>
-              <a:t> </a:t>
-            </a:r>
-            <a:r>
-              <a:rPr lang="en-US" dirty="0" err="1" smtClean="0"/>
-              <a:t>dari</a:t>
-            </a:r>
-            <a:r>
-              <a:rPr lang="en-US" dirty="0" smtClean="0"/>
-              <a:t> :</a:t>
-            </a:r>
-          </a:p>
-          <a:p>
-            <a:pPr marL="914400" lvl="1" indent="-457200">
-              <a:buAutoNum type="arabicPeriod"/>
-            </a:pPr>
-            <a:r>
-              <a:rPr lang="en-US" dirty="0" smtClean="0"/>
-              <a:t>Extreme Mode</a:t>
-            </a:r>
-          </a:p>
-          <a:p>
-            <a:pPr marL="914400" lvl="1" indent="-457200">
-              <a:buAutoNum type="arabicPeriod"/>
-            </a:pPr>
-            <a:r>
-              <a:rPr lang="en-US" dirty="0" smtClean="0"/>
-              <a:t>Life Mode</a:t>
-            </a:r>
-          </a:p>
-          <a:p>
-            <a:pPr marL="914400" lvl="1" indent="-457200">
-              <a:buAutoNum type="arabicPeriod"/>
-            </a:pPr>
-            <a:r>
-              <a:rPr lang="en-US" dirty="0" smtClean="0"/>
-              <a:t>Time Mode</a:t>
+          <a:bodyPr/>
+          <a:lstStyle/>
+          <a:p>
+            <a:r>
+              <a:rPr lang="id-ID" dirty="0"/>
+              <a:t>Keluaran yang kami harapkan </a:t>
+            </a:r>
+            <a:r>
+              <a:rPr lang="id-ID" dirty="0" smtClean="0"/>
+              <a:t>adalah </a:t>
+            </a:r>
+            <a:r>
+              <a:rPr lang="id-ID" dirty="0"/>
+              <a:t>aplikasi sederhana yang dapat mengasah otak anak yang dapat menghasilkan anak-anak yang memiliki pola pikir yang luas, serta tepat dan cepat dalam memutuskan keputusan, dan juga memiliki daya ingat yang baik sebagai penerus bangsa.</a:t>
             </a:r>
             <a:endParaRPr lang="en-US" dirty="0"/>
-          </a:p>
-          <a:p>
-            <a:pPr marL="0" indent="0">
-              <a:buNone/>
-            </a:pPr>
-            <a:endParaRPr lang="en-US" dirty="0" smtClean="0"/>
           </a:p>
         </p:txBody>
       </p:sp>
     </p:spTree>
     <p:extLst>
       <p:ext uri="{BB962C8B-B14F-4D97-AF65-F5344CB8AC3E}">
-        <p14:creationId xmlns:p14="http://schemas.microsoft.com/office/powerpoint/2010/main" val="596077266"/>
+        <p14:creationId xmlns:p14="http://schemas.microsoft.com/office/powerpoint/2010/main" val="3075737363"/>
       </p:ext>
     </p:extLst>
   </p:cSld>
   <p:clrMapOvr>
     <a:masterClrMapping/>
   </p:clrMapOvr>
+  <p:timing>
+    <p:tnLst>
+      <p:par>
+        <p:cTn id="1" dur="indefinite" restart="never" nodeType="tmRoot"/>
+      </p:par>
+    </p:tnLst>
+  </p:timing>
 </p:sld>
 </file>
 
@@ -5472,7 +5941,11 @@
           <a:bodyPr/>
           <a:lstStyle/>
           <a:p>
-            <a:endParaRPr lang="en-US"/>
+            <a:r>
+              <a:rPr lang="en-US" dirty="0" smtClean="0"/>
+              <a:t>Requirement Cards / Features</a:t>
+            </a:r>
+            <a:endParaRPr lang="en-US" dirty="0"/>
           </a:p>
         </p:txBody>
       </p:sp>
@@ -5495,7 +5968,7 @@
           <a:p>
             <a:r>
               <a:rPr lang="en-US" dirty="0" smtClean="0"/>
-              <a:t>Difficulties</a:t>
+              <a:t>Design UI yang Familiar</a:t>
             </a:r>
           </a:p>
           <a:p>
@@ -5504,6 +5977,241 @@
             </a:pPr>
             <a:r>
               <a:rPr lang="en-US" dirty="0" err="1" smtClean="0"/>
+              <a:t>Fitur</a:t>
+            </a:r>
+            <a:r>
+              <a:rPr lang="en-US" dirty="0" smtClean="0"/>
+              <a:t> </a:t>
+            </a:r>
+            <a:r>
+              <a:rPr lang="en-US" dirty="0" err="1" smtClean="0"/>
+              <a:t>ini</a:t>
+            </a:r>
+            <a:r>
+              <a:rPr lang="en-US" dirty="0" smtClean="0"/>
+              <a:t> </a:t>
+            </a:r>
+            <a:r>
+              <a:rPr lang="en-US" dirty="0" err="1" smtClean="0"/>
+              <a:t>akan</a:t>
+            </a:r>
+            <a:r>
+              <a:rPr lang="en-US" dirty="0" smtClean="0"/>
+              <a:t> </a:t>
+            </a:r>
+            <a:r>
+              <a:rPr lang="en-US" dirty="0" err="1" smtClean="0"/>
+              <a:t>sangat</a:t>
+            </a:r>
+            <a:r>
+              <a:rPr lang="en-US" dirty="0" smtClean="0"/>
+              <a:t> </a:t>
+            </a:r>
+            <a:r>
+              <a:rPr lang="en-US" dirty="0" err="1" smtClean="0"/>
+              <a:t>membantu</a:t>
+            </a:r>
+            <a:r>
+              <a:rPr lang="en-US" dirty="0" smtClean="0"/>
+              <a:t> user </a:t>
+            </a:r>
+            <a:r>
+              <a:rPr lang="en-US" dirty="0" err="1" smtClean="0"/>
+              <a:t>dalam</a:t>
+            </a:r>
+            <a:r>
+              <a:rPr lang="en-US" dirty="0" smtClean="0"/>
+              <a:t> </a:t>
+            </a:r>
+            <a:r>
+              <a:rPr lang="en-US" dirty="0" err="1" smtClean="0"/>
+              <a:t>permainan</a:t>
+            </a:r>
+            <a:r>
+              <a:rPr lang="en-US" dirty="0" smtClean="0"/>
+              <a:t> </a:t>
+            </a:r>
+            <a:r>
+              <a:rPr lang="en-US" dirty="0" err="1" smtClean="0"/>
+              <a:t>dimana</a:t>
+            </a:r>
+            <a:r>
+              <a:rPr lang="en-US" dirty="0" smtClean="0"/>
+              <a:t> </a:t>
+            </a:r>
+            <a:r>
+              <a:rPr lang="en-US" dirty="0" err="1" smtClean="0"/>
+              <a:t>memiliki</a:t>
+            </a:r>
+            <a:r>
+              <a:rPr lang="en-US" dirty="0" smtClean="0"/>
+              <a:t> </a:t>
+            </a:r>
+            <a:r>
+              <a:rPr lang="en-US" dirty="0" err="1" smtClean="0"/>
+              <a:t>tampilan</a:t>
+            </a:r>
+            <a:r>
+              <a:rPr lang="en-US" dirty="0" smtClean="0"/>
+              <a:t> yang </a:t>
+            </a:r>
+            <a:r>
+              <a:rPr lang="en-US" dirty="0" err="1" smtClean="0"/>
+              <a:t>mudah</a:t>
+            </a:r>
+            <a:r>
+              <a:rPr lang="en-US" dirty="0" smtClean="0"/>
+              <a:t> </a:t>
+            </a:r>
+            <a:r>
+              <a:rPr lang="en-US" dirty="0" err="1" smtClean="0"/>
+              <a:t>dimengerti</a:t>
+            </a:r>
+            <a:r>
+              <a:rPr lang="en-US" dirty="0" smtClean="0"/>
+              <a:t> </a:t>
+            </a:r>
+            <a:r>
+              <a:rPr lang="en-US" dirty="0" err="1" smtClean="0"/>
+              <a:t>dan</a:t>
+            </a:r>
+            <a:r>
+              <a:rPr lang="en-US" dirty="0" smtClean="0"/>
+              <a:t> familiar </a:t>
+            </a:r>
+            <a:r>
+              <a:rPr lang="en-US" dirty="0" err="1" smtClean="0"/>
+              <a:t>contoh</a:t>
+            </a:r>
+            <a:r>
+              <a:rPr lang="en-US" dirty="0" smtClean="0"/>
+              <a:t>: </a:t>
+            </a:r>
+            <a:r>
+              <a:rPr lang="en-US" dirty="0" err="1" smtClean="0"/>
+              <a:t>dalam</a:t>
+            </a:r>
+            <a:r>
+              <a:rPr lang="en-US" dirty="0" smtClean="0"/>
+              <a:t> </a:t>
+            </a:r>
+            <a:r>
+              <a:rPr lang="en-US" dirty="0" err="1" smtClean="0"/>
+              <a:t>permainan</a:t>
+            </a:r>
+            <a:r>
+              <a:rPr lang="en-US" dirty="0" smtClean="0"/>
+              <a:t> </a:t>
+            </a:r>
+            <a:r>
+              <a:rPr lang="en-US" dirty="0" err="1" smtClean="0"/>
+              <a:t>angka</a:t>
+            </a:r>
+            <a:r>
+              <a:rPr lang="en-US" dirty="0" smtClean="0"/>
+              <a:t> user </a:t>
+            </a:r>
+            <a:r>
+              <a:rPr lang="en-US" dirty="0" err="1" smtClean="0"/>
+              <a:t>tidak</a:t>
+            </a:r>
+            <a:r>
+              <a:rPr lang="en-US" dirty="0" smtClean="0"/>
+              <a:t> </a:t>
+            </a:r>
+            <a:r>
+              <a:rPr lang="en-US" dirty="0" err="1" smtClean="0"/>
+              <a:t>perlu</a:t>
+            </a:r>
+            <a:r>
+              <a:rPr lang="en-US" dirty="0" smtClean="0"/>
+              <a:t> </a:t>
+            </a:r>
+            <a:r>
+              <a:rPr lang="en-US" dirty="0" err="1" smtClean="0"/>
+              <a:t>mengunakan</a:t>
+            </a:r>
+            <a:r>
+              <a:rPr lang="en-US" dirty="0" smtClean="0"/>
+              <a:t> keyboard </a:t>
+            </a:r>
+            <a:r>
+              <a:rPr lang="en-US" dirty="0" err="1" smtClean="0"/>
+              <a:t>pada</a:t>
+            </a:r>
+            <a:r>
+              <a:rPr lang="en-US" dirty="0" smtClean="0"/>
+              <a:t> </a:t>
+            </a:r>
+            <a:r>
+              <a:rPr lang="en-US" dirty="0" err="1" smtClean="0"/>
+              <a:t>bawaan</a:t>
+            </a:r>
+            <a:r>
+              <a:rPr lang="en-US" dirty="0" smtClean="0"/>
+              <a:t> phone </a:t>
+            </a:r>
+            <a:r>
+              <a:rPr lang="en-US" dirty="0" err="1" smtClean="0"/>
+              <a:t>seperti</a:t>
+            </a:r>
+            <a:r>
+              <a:rPr lang="en-US" dirty="0" smtClean="0"/>
+              <a:t> android keyboard </a:t>
+            </a:r>
+            <a:r>
+              <a:rPr lang="en-US" dirty="0" err="1" smtClean="0"/>
+              <a:t>karena</a:t>
+            </a:r>
+            <a:r>
+              <a:rPr lang="en-US" dirty="0" smtClean="0"/>
+              <a:t> kami </a:t>
+            </a:r>
+            <a:r>
+              <a:rPr lang="en-US" dirty="0" err="1" smtClean="0"/>
+              <a:t>sudah</a:t>
+            </a:r>
+            <a:r>
+              <a:rPr lang="en-US" dirty="0" smtClean="0"/>
+              <a:t> </a:t>
+            </a:r>
+            <a:r>
+              <a:rPr lang="en-US" dirty="0" err="1" smtClean="0"/>
+              <a:t>menyediakan</a:t>
+            </a:r>
+            <a:r>
+              <a:rPr lang="en-US" dirty="0" smtClean="0"/>
+              <a:t> </a:t>
+            </a:r>
+            <a:r>
+              <a:rPr lang="en-US" dirty="0" err="1" smtClean="0"/>
+              <a:t>angka</a:t>
+            </a:r>
+            <a:r>
+              <a:rPr lang="en-US" dirty="0" smtClean="0"/>
+              <a:t> </a:t>
+            </a:r>
+            <a:r>
+              <a:rPr lang="en-US" dirty="0" err="1" smtClean="0"/>
+              <a:t>pada</a:t>
+            </a:r>
+            <a:r>
+              <a:rPr lang="en-US" dirty="0" smtClean="0"/>
+              <a:t> screen.</a:t>
+            </a:r>
+          </a:p>
+          <a:p>
+            <a:r>
+              <a:rPr lang="en-US" dirty="0" smtClean="0"/>
+              <a:t>Mode Game</a:t>
+            </a:r>
+          </a:p>
+          <a:p>
+            <a:pPr marL="457200" lvl="1" indent="0">
+              <a:buNone/>
+            </a:pPr>
+            <a:r>
+              <a:rPr lang="en-US" dirty="0" err="1" smtClean="0"/>
               <a:t>Disini</a:t>
             </a:r>
             <a:r>
@@ -5524,27 +6232,15 @@
             </a:r>
             <a:r>
               <a:rPr lang="en-US" dirty="0" smtClean="0"/>
-              <a:t> </a:t>
-            </a:r>
-            <a:r>
-              <a:rPr lang="en-US" dirty="0" err="1" smtClean="0"/>
-              <a:t>tingkatan</a:t>
-            </a:r>
-            <a:r>
-              <a:rPr lang="en-US" dirty="0" smtClean="0"/>
-              <a:t> </a:t>
+              <a:t> mode </a:t>
             </a:r>
             <a:r>
               <a:rPr lang="en-US" dirty="0" err="1" smtClean="0"/>
               <a:t>permainan</a:t>
             </a:r>
             <a:r>
-              <a:rPr lang="en-US" dirty="0"/>
-              <a:t> </a:t>
-            </a:r>
-            <a:r>
-              <a:rPr lang="en-US" dirty="0" smtClean="0"/>
-              <a:t>yang </a:t>
+              <a:rPr lang="en-US" dirty="0" smtClean="0"/>
+              <a:t> yang </a:t>
             </a:r>
             <a:r>
               <a:rPr lang="en-US" dirty="0" err="1" smtClean="0"/>
@@ -5560,7 +6256,7 @@
             </a:r>
             <a:r>
               <a:rPr lang="en-US" dirty="0" smtClean="0"/>
-              <a:t>:</a:t>
+              <a:t> :</a:t>
             </a:r>
           </a:p>
           <a:p>
@@ -5569,7 +6265,7 @@
             </a:pPr>
             <a:r>
               <a:rPr lang="en-US" dirty="0" smtClean="0"/>
-              <a:t>Easy</a:t>
+              <a:t>Extreme Mode</a:t>
             </a:r>
           </a:p>
           <a:p>
@@ -5578,7 +6274,7 @@
             </a:pPr>
             <a:r>
               <a:rPr lang="en-US" dirty="0" smtClean="0"/>
-              <a:t>Normal</a:t>
+              <a:t>Life Mode</a:t>
             </a:r>
           </a:p>
           <a:p>
@@ -5587,188 +6283,35 @@
             </a:pPr>
             <a:r>
               <a:rPr lang="en-US" dirty="0" smtClean="0"/>
-              <a:t>Hard</a:t>
-            </a:r>
-          </a:p>
-          <a:p>
-            <a:r>
-              <a:rPr lang="en-US" dirty="0" smtClean="0"/>
-              <a:t>Daily Test</a:t>
-            </a:r>
-          </a:p>
-          <a:p>
-            <a:pPr marL="457200" lvl="1" indent="0">
+              <a:t>Time Mode</a:t>
+            </a:r>
+            <a:endParaRPr lang="en-US" dirty="0"/>
+          </a:p>
+          <a:p>
+            <a:pPr marL="0" indent="0">
               <a:buNone/>
             </a:pPr>
-            <a:r>
-              <a:rPr lang="en-US" dirty="0" smtClean="0"/>
-              <a:t>User </a:t>
-            </a:r>
-            <a:r>
-              <a:rPr lang="en-US" dirty="0" err="1" smtClean="0"/>
-              <a:t>akan</a:t>
-            </a:r>
-            <a:r>
-              <a:rPr lang="en-US" dirty="0" smtClean="0"/>
-              <a:t> </a:t>
-            </a:r>
-            <a:r>
-              <a:rPr lang="en-US" dirty="0" err="1" smtClean="0"/>
-              <a:t>diberikan</a:t>
-            </a:r>
-            <a:r>
-              <a:rPr lang="en-US" dirty="0" smtClean="0"/>
-              <a:t> </a:t>
-            </a:r>
-            <a:r>
-              <a:rPr lang="en-US" dirty="0" err="1" smtClean="0"/>
-              <a:t>beberapa</a:t>
-            </a:r>
-            <a:r>
-              <a:rPr lang="en-US" dirty="0" smtClean="0"/>
-              <a:t> </a:t>
-            </a:r>
-            <a:r>
-              <a:rPr lang="en-US" dirty="0" err="1" smtClean="0"/>
-              <a:t>soal</a:t>
-            </a:r>
-            <a:r>
-              <a:rPr lang="en-US" dirty="0" smtClean="0"/>
-              <a:t> yang </a:t>
-            </a:r>
-            <a:r>
-              <a:rPr lang="en-US" dirty="0" err="1" smtClean="0"/>
-              <a:t>akan</a:t>
-            </a:r>
-            <a:r>
-              <a:rPr lang="en-US" dirty="0" smtClean="0"/>
-              <a:t> </a:t>
-            </a:r>
-            <a:r>
-              <a:rPr lang="en-US" dirty="0" err="1" smtClean="0"/>
-              <a:t>menetukan</a:t>
-            </a:r>
-            <a:r>
-              <a:rPr lang="en-US" dirty="0" smtClean="0"/>
-              <a:t> </a:t>
-            </a:r>
-            <a:r>
-              <a:rPr lang="en-US" dirty="0" err="1" smtClean="0"/>
-              <a:t>statistik</a:t>
-            </a:r>
-            <a:r>
-              <a:rPr lang="en-US" dirty="0" smtClean="0"/>
-              <a:t>/</a:t>
-            </a:r>
-            <a:r>
-              <a:rPr lang="en-US" dirty="0" err="1" smtClean="0"/>
-              <a:t>peningkatan</a:t>
-            </a:r>
-            <a:r>
-              <a:rPr lang="en-US" dirty="0" smtClean="0"/>
-              <a:t> </a:t>
-            </a:r>
-            <a:r>
-              <a:rPr lang="en-US" dirty="0" err="1" smtClean="0"/>
-              <a:t>setiap</a:t>
-            </a:r>
-            <a:r>
-              <a:rPr lang="en-US" dirty="0" smtClean="0"/>
-              <a:t> user </a:t>
-            </a:r>
-            <a:r>
-              <a:rPr lang="en-US" dirty="0" err="1" smtClean="0"/>
-              <a:t>setiap</a:t>
-            </a:r>
-            <a:r>
-              <a:rPr lang="en-US" dirty="0" smtClean="0"/>
-              <a:t> </a:t>
-            </a:r>
-            <a:r>
-              <a:rPr lang="en-US" dirty="0" err="1" smtClean="0"/>
-              <a:t>harinya</a:t>
-            </a:r>
             <a:endParaRPr lang="en-US" dirty="0" smtClean="0"/>
-          </a:p>
-          <a:p>
-            <a:r>
-              <a:rPr lang="en-US" dirty="0" smtClean="0"/>
-              <a:t>Multiple Users</a:t>
-            </a:r>
-          </a:p>
-          <a:p>
-            <a:pPr marL="457200" lvl="1" indent="0">
-              <a:buNone/>
-            </a:pPr>
-            <a:r>
-              <a:rPr lang="en-US" dirty="0" err="1" smtClean="0"/>
-              <a:t>Aplikasi</a:t>
-            </a:r>
-            <a:r>
-              <a:rPr lang="en-US" dirty="0" smtClean="0"/>
-              <a:t> </a:t>
-            </a:r>
-            <a:r>
-              <a:rPr lang="en-US" dirty="0" err="1" smtClean="0"/>
-              <a:t>ini</a:t>
-            </a:r>
-            <a:r>
-              <a:rPr lang="en-US" dirty="0" smtClean="0"/>
-              <a:t> </a:t>
-            </a:r>
-            <a:r>
-              <a:rPr lang="en-US" dirty="0" err="1" smtClean="0"/>
-              <a:t>mengizinkan</a:t>
-            </a:r>
-            <a:r>
-              <a:rPr lang="en-US" dirty="0" smtClean="0"/>
-              <a:t> </a:t>
-            </a:r>
-            <a:r>
-              <a:rPr lang="en-US" dirty="0" err="1" smtClean="0"/>
-              <a:t>pengguna</a:t>
-            </a:r>
-            <a:r>
-              <a:rPr lang="en-US" dirty="0" smtClean="0"/>
-              <a:t> </a:t>
-            </a:r>
-            <a:r>
-              <a:rPr lang="en-US" dirty="0" err="1" smtClean="0"/>
-              <a:t>dapat</a:t>
-            </a:r>
-            <a:r>
-              <a:rPr lang="en-US" dirty="0" smtClean="0"/>
-              <a:t> </a:t>
-            </a:r>
-            <a:r>
-              <a:rPr lang="en-US" dirty="0" err="1" smtClean="0"/>
-              <a:t>membuat</a:t>
-            </a:r>
-            <a:r>
-              <a:rPr lang="en-US" dirty="0" smtClean="0"/>
-              <a:t> </a:t>
-            </a:r>
-            <a:r>
-              <a:rPr lang="en-US" dirty="0" err="1" smtClean="0"/>
-              <a:t>banyak</a:t>
-            </a:r>
-            <a:r>
-              <a:rPr lang="en-US" dirty="0" smtClean="0"/>
-              <a:t> users</a:t>
-            </a:r>
           </a:p>
         </p:txBody>
       </p:sp>
     </p:spTree>
     <p:extLst>
       <p:ext uri="{BB962C8B-B14F-4D97-AF65-F5344CB8AC3E}">
-        <p14:creationId xmlns:p14="http://schemas.microsoft.com/office/powerpoint/2010/main" val="2708909029"/>
+        <p14:creationId xmlns:p14="http://schemas.microsoft.com/office/powerpoint/2010/main" val="596077266"/>
       </p:ext>
     </p:extLst>
   </p:cSld>
   <p:clrMapOvr>
     <a:masterClrMapping/>
   </p:clrMapOvr>
+  <p:timing>
+    <p:tnLst>
+      <p:par>
+        <p:cTn id="1" dur="indefinite" restart="never" nodeType="tmRoot"/>
+      </p:par>
+    </p:tnLst>
+  </p:timing>
 </p:sld>
 </file>
 
@@ -5791,25 +6334,6 @@
       </p:grpSpPr>
       <p:sp>
         <p:nvSpPr>
-          <p:cNvPr id="2" name="Title 1"/>
-          <p:cNvSpPr>
-            <a:spLocks noGrp="1"/>
-          </p:cNvSpPr>
-          <p:nvPr>
-            <p:ph type="title"/>
-          </p:nvPr>
-        </p:nvSpPr>
-        <p:spPr/>
-        <p:txBody>
-          <a:bodyPr/>
-          <a:lstStyle/>
-          <a:p>
-            <a:endParaRPr lang="en-US"/>
-          </a:p>
-        </p:txBody>
-      </p:sp>
-      <p:sp>
-        <p:nvSpPr>
           <p:cNvPr id="3" name="Content Placeholder 2"/>
           <p:cNvSpPr>
             <a:spLocks noGrp="1"/>
@@ -5827,7 +6351,7 @@
           <a:p>
             <a:r>
               <a:rPr lang="en-US" dirty="0" smtClean="0"/>
-              <a:t>Statistics</a:t>
+              <a:t>Difficulties</a:t>
             </a:r>
           </a:p>
           <a:p>
@@ -5836,19 +6360,11 @@
             </a:pPr>
             <a:r>
               <a:rPr lang="en-US" dirty="0" err="1" smtClean="0"/>
-              <a:t>Aplikasi</a:t>
-            </a:r>
-            <a:r>
-              <a:rPr lang="en-US" dirty="0" smtClean="0"/>
-              <a:t> </a:t>
-            </a:r>
-            <a:r>
-              <a:rPr lang="en-US" dirty="0" err="1" smtClean="0"/>
-              <a:t>ini</a:t>
-            </a:r>
-            <a:r>
-              <a:rPr lang="en-US" dirty="0" smtClean="0"/>
-              <a:t> </a:t>
+              <a:t>Disini</a:t>
+            </a:r>
+            <a:r>
+              <a:rPr lang="en-US" dirty="0" smtClean="0"/>
+              <a:t> user </a:t>
             </a:r>
             <a:r>
               <a:rPr lang="en-US" dirty="0" err="1" smtClean="0"/>
@@ -5860,26 +6376,80 @@
             </a:r>
             <a:r>
               <a:rPr lang="en-US" dirty="0" err="1" smtClean="0"/>
-              <a:t>membandingkan</a:t>
-            </a:r>
-            <a:r>
-              <a:rPr lang="en-US" dirty="0" smtClean="0"/>
-              <a:t> score </a:t>
-            </a:r>
-            <a:r>
-              <a:rPr lang="en-US" dirty="0" err="1" smtClean="0"/>
-              <a:t>antar</a:t>
-            </a:r>
-            <a:r>
-              <a:rPr lang="en-US" dirty="0" smtClean="0"/>
-              <a:t> users</a:t>
-            </a:r>
-            <a:endParaRPr lang="en-US" dirty="0" smtClean="0"/>
-          </a:p>
-          <a:p>
-            <a:r>
-              <a:rPr lang="en-US" dirty="0" smtClean="0"/>
-              <a:t>Game In Game</a:t>
+              <a:t>memilih</a:t>
+            </a:r>
+            <a:r>
+              <a:rPr lang="en-US" dirty="0" smtClean="0"/>
+              <a:t> </a:t>
+            </a:r>
+            <a:r>
+              <a:rPr lang="en-US" dirty="0" err="1" smtClean="0"/>
+              <a:t>tingkatan</a:t>
+            </a:r>
+            <a:r>
+              <a:rPr lang="en-US" dirty="0" smtClean="0"/>
+              <a:t> </a:t>
+            </a:r>
+            <a:r>
+              <a:rPr lang="en-US" dirty="0" err="1" smtClean="0"/>
+              <a:t>permainan</a:t>
+            </a:r>
+            <a:r>
+              <a:rPr lang="en-US" dirty="0"/>
+              <a:t> </a:t>
+            </a:r>
+            <a:r>
+              <a:rPr lang="en-US" dirty="0" smtClean="0"/>
+              <a:t>yang </a:t>
+            </a:r>
+            <a:r>
+              <a:rPr lang="en-US" dirty="0" err="1" smtClean="0"/>
+              <a:t>terdiri</a:t>
+            </a:r>
+            <a:r>
+              <a:rPr lang="en-US" dirty="0" smtClean="0"/>
+              <a:t> </a:t>
+            </a:r>
+            <a:r>
+              <a:rPr lang="en-US" dirty="0" err="1" smtClean="0"/>
+              <a:t>dari</a:t>
+            </a:r>
+            <a:r>
+              <a:rPr lang="en-US" dirty="0" smtClean="0"/>
+              <a:t>:</a:t>
+            </a:r>
+          </a:p>
+          <a:p>
+            <a:pPr marL="914400" lvl="1" indent="-457200">
+              <a:buAutoNum type="arabicPeriod"/>
+            </a:pPr>
+            <a:r>
+              <a:rPr lang="en-US" dirty="0" smtClean="0"/>
+              <a:t>Easy</a:t>
+            </a:r>
+          </a:p>
+          <a:p>
+            <a:pPr marL="914400" lvl="1" indent="-457200">
+              <a:buAutoNum type="arabicPeriod"/>
+            </a:pPr>
+            <a:r>
+              <a:rPr lang="en-US" dirty="0" smtClean="0"/>
+              <a:t>Normal</a:t>
+            </a:r>
+          </a:p>
+          <a:p>
+            <a:pPr marL="914400" lvl="1" indent="-457200">
+              <a:buAutoNum type="arabicPeriod"/>
+            </a:pPr>
+            <a:r>
+              <a:rPr lang="en-US" dirty="0" smtClean="0"/>
+              <a:t>Hard</a:t>
+            </a:r>
+          </a:p>
+          <a:p>
+            <a:r>
+              <a:rPr lang="en-US" dirty="0" smtClean="0"/>
+              <a:t>Daily Test</a:t>
             </a:r>
           </a:p>
           <a:p>
@@ -5887,60 +6457,8 @@
               <a:buNone/>
             </a:pPr>
             <a:r>
-              <a:rPr lang="en-US" dirty="0" err="1" smtClean="0"/>
-              <a:t>Aplikasi</a:t>
-            </a:r>
-            <a:r>
-              <a:rPr lang="en-US" dirty="0" smtClean="0"/>
-              <a:t> </a:t>
-            </a:r>
-            <a:r>
-              <a:rPr lang="en-US" dirty="0" err="1" smtClean="0"/>
-              <a:t>ini</a:t>
-            </a:r>
-            <a:r>
-              <a:rPr lang="en-US" dirty="0" smtClean="0"/>
-              <a:t> </a:t>
-            </a:r>
-            <a:r>
-              <a:rPr lang="en-US" dirty="0" err="1" smtClean="0"/>
-              <a:t>memiliki</a:t>
-            </a:r>
-            <a:r>
-              <a:rPr lang="en-US" dirty="0" smtClean="0"/>
-              <a:t> </a:t>
-            </a:r>
-            <a:r>
-              <a:rPr lang="en-US" dirty="0" err="1" smtClean="0"/>
-              <a:t>fitur</a:t>
-            </a:r>
-            <a:r>
-              <a:rPr lang="en-US" dirty="0" smtClean="0"/>
-              <a:t> </a:t>
-            </a:r>
-            <a:r>
-              <a:rPr lang="en-US" dirty="0" err="1" smtClean="0"/>
-              <a:t>untuk</a:t>
-            </a:r>
-            <a:r>
-              <a:rPr lang="en-US" dirty="0" smtClean="0"/>
-              <a:t> </a:t>
-            </a:r>
-            <a:r>
-              <a:rPr lang="en-US" dirty="0" err="1" smtClean="0"/>
-              <a:t>memilih</a:t>
-            </a:r>
-            <a:r>
-              <a:rPr lang="en-US" dirty="0" smtClean="0"/>
-              <a:t> </a:t>
-            </a:r>
-            <a:r>
-              <a:rPr lang="en-US" dirty="0" err="1" smtClean="0"/>
-              <a:t>jenis</a:t>
-            </a:r>
-            <a:r>
-              <a:rPr lang="en-US" dirty="0" smtClean="0"/>
-              <a:t> game yang </a:t>
+              <a:rPr lang="en-US" dirty="0" smtClean="0"/>
+              <a:t>User </a:t>
             </a:r>
             <a:r>
               <a:rPr lang="en-US" dirty="0" err="1" smtClean="0"/>
@@ -5952,15 +6470,7 @@
             </a:r>
             <a:r>
               <a:rPr lang="en-US" dirty="0" err="1" smtClean="0"/>
-              <a:t>dimainkan</a:t>
-            </a:r>
-            <a:r>
-              <a:rPr lang="en-US" dirty="0" smtClean="0"/>
-              <a:t> </a:t>
-            </a:r>
-            <a:r>
-              <a:rPr lang="en-US" dirty="0" err="1" smtClean="0"/>
-              <a:t>dengan</a:t>
+              <a:t>diberikan</a:t>
             </a:r>
             <a:r>
               <a:rPr lang="en-US" dirty="0" smtClean="0"/>
@@ -5976,98 +6486,70 @@
             </a:r>
             <a:r>
               <a:rPr lang="en-US" dirty="0" err="1" smtClean="0"/>
-              <a:t>cara</a:t>
-            </a:r>
-            <a:r>
-              <a:rPr lang="en-US" dirty="0" smtClean="0"/>
-              <a:t> </a:t>
-            </a:r>
-            <a:r>
-              <a:rPr lang="en-US" dirty="0" err="1" smtClean="0"/>
-              <a:t>seperti</a:t>
-            </a:r>
-            <a:r>
-              <a:rPr lang="en-US" dirty="0" smtClean="0"/>
-              <a:t> </a:t>
-            </a:r>
-            <a:r>
-              <a:rPr lang="en-US" dirty="0" err="1" smtClean="0"/>
-              <a:t>bermain</a:t>
-            </a:r>
-            <a:r>
-              <a:rPr lang="en-US" dirty="0" smtClean="0"/>
-              <a:t> Math </a:t>
-            </a:r>
-            <a:r>
-              <a:rPr lang="en-US" dirty="0" err="1" smtClean="0"/>
-              <a:t>kita</a:t>
-            </a:r>
-            <a:r>
-              <a:rPr lang="en-US" dirty="0" smtClean="0"/>
-              <a:t> </a:t>
-            </a:r>
-            <a:r>
-              <a:rPr lang="en-US" dirty="0" err="1" smtClean="0"/>
-              <a:t>dapat</a:t>
-            </a:r>
-            <a:r>
-              <a:rPr lang="en-US" dirty="0" smtClean="0"/>
-              <a:t> </a:t>
-            </a:r>
-            <a:r>
-              <a:rPr lang="en-US" dirty="0" err="1" smtClean="0"/>
-              <a:t>melakukan</a:t>
-            </a:r>
-            <a:r>
-              <a:rPr lang="en-US" dirty="0" smtClean="0"/>
-              <a:t> </a:t>
-            </a:r>
-            <a:r>
-              <a:rPr lang="en-US" dirty="0" err="1" smtClean="0"/>
-              <a:t>perhitungan</a:t>
-            </a:r>
-            <a:r>
-              <a:rPr lang="en-US" dirty="0" smtClean="0"/>
-              <a:t> (sum) </a:t>
-            </a:r>
-            <a:r>
-              <a:rPr lang="en-US" dirty="0" err="1" smtClean="0"/>
-              <a:t>atau</a:t>
-            </a:r>
-            <a:r>
-              <a:rPr lang="en-US" dirty="0" smtClean="0"/>
-              <a:t> </a:t>
-            </a:r>
-            <a:r>
-              <a:rPr lang="en-US" dirty="0" err="1" smtClean="0"/>
-              <a:t>bermain</a:t>
-            </a:r>
-            <a:r>
-              <a:rPr lang="en-US" dirty="0" smtClean="0"/>
-              <a:t> </a:t>
-            </a:r>
-            <a:r>
-              <a:rPr lang="en-US" dirty="0" err="1" smtClean="0"/>
-              <a:t>dengan</a:t>
-            </a:r>
-            <a:r>
-              <a:rPr lang="en-US" dirty="0" smtClean="0"/>
-              <a:t> </a:t>
-            </a:r>
-            <a:r>
-              <a:rPr lang="en-US" dirty="0" err="1" smtClean="0"/>
-              <a:t>perbandingan</a:t>
-            </a:r>
-            <a:r>
-              <a:rPr lang="en-US" dirty="0" smtClean="0"/>
-              <a:t>(Compare)</a:t>
+              <a:t>soal</a:t>
+            </a:r>
+            <a:r>
+              <a:rPr lang="en-US" dirty="0" smtClean="0"/>
+              <a:t> yang </a:t>
+            </a:r>
+            <a:r>
+              <a:rPr lang="en-US" dirty="0" err="1" smtClean="0"/>
+              <a:t>akan</a:t>
+            </a:r>
+            <a:r>
+              <a:rPr lang="en-US" dirty="0" smtClean="0"/>
+              <a:t> </a:t>
+            </a:r>
+            <a:r>
+              <a:rPr lang="en-US" dirty="0" err="1" smtClean="0"/>
+              <a:t>menetukan</a:t>
+            </a:r>
+            <a:r>
+              <a:rPr lang="en-US" dirty="0" smtClean="0"/>
+              <a:t> </a:t>
+            </a:r>
+            <a:r>
+              <a:rPr lang="en-US" dirty="0" err="1" smtClean="0"/>
+              <a:t>statistik</a:t>
+            </a:r>
+            <a:r>
+              <a:rPr lang="en-US" dirty="0" smtClean="0"/>
+              <a:t>/</a:t>
+            </a:r>
+            <a:r>
+              <a:rPr lang="en-US" dirty="0" err="1" smtClean="0"/>
+              <a:t>peningkatan</a:t>
+            </a:r>
+            <a:r>
+              <a:rPr lang="en-US" dirty="0" smtClean="0"/>
+              <a:t> </a:t>
+            </a:r>
+            <a:r>
+              <a:rPr lang="en-US" dirty="0" err="1" smtClean="0"/>
+              <a:t>setiap</a:t>
+            </a:r>
+            <a:r>
+              <a:rPr lang="en-US" dirty="0" smtClean="0"/>
+              <a:t> user </a:t>
+            </a:r>
+            <a:r>
+              <a:rPr lang="en-US" dirty="0" err="1" smtClean="0"/>
+              <a:t>setiap</a:t>
+            </a:r>
+            <a:r>
+              <a:rPr lang="en-US" dirty="0" smtClean="0"/>
+              <a:t> </a:t>
+            </a:r>
+            <a:r>
+              <a:rPr lang="en-US" dirty="0" err="1" smtClean="0"/>
+              <a:t>harinya</a:t>
             </a:r>
             <a:endParaRPr lang="en-US" dirty="0" smtClean="0"/>
           </a:p>
           <a:p>
             <a:r>
               <a:rPr lang="en-US" dirty="0" smtClean="0"/>
-              <a:t>Unlock Game</a:t>
+              <a:t>Multiple Users</a:t>
             </a:r>
           </a:p>
           <a:p>
@@ -6092,122 +6574,87 @@
             </a:r>
             <a:r>
               <a:rPr lang="en-US" dirty="0" err="1" smtClean="0"/>
-              <a:t>memiliki</a:t>
-            </a:r>
-            <a:r>
-              <a:rPr lang="en-US" dirty="0" smtClean="0"/>
-              <a:t> </a:t>
-            </a:r>
-            <a:r>
-              <a:rPr lang="en-US" dirty="0" err="1" smtClean="0"/>
-              <a:t>beberapa</a:t>
-            </a:r>
-            <a:r>
-              <a:rPr lang="en-US" dirty="0" smtClean="0"/>
-              <a:t> game yang </a:t>
-            </a:r>
-            <a:r>
-              <a:rPr lang="en-US" dirty="0" err="1" smtClean="0"/>
-              <a:t>masih</a:t>
-            </a:r>
-            <a:r>
-              <a:rPr lang="en-US" dirty="0" smtClean="0"/>
-              <a:t> </a:t>
-            </a:r>
-            <a:r>
-              <a:rPr lang="en-US" dirty="0" err="1" smtClean="0"/>
-              <a:t>dikunci</a:t>
-            </a:r>
-            <a:r>
-              <a:rPr lang="en-US" dirty="0" smtClean="0"/>
-              <a:t> </a:t>
-            </a:r>
-            <a:r>
-              <a:rPr lang="en-US" dirty="0" err="1" smtClean="0"/>
-              <a:t>jadi</a:t>
-            </a:r>
-            <a:r>
-              <a:rPr lang="en-US" dirty="0" smtClean="0"/>
-              <a:t> </a:t>
-            </a:r>
-            <a:r>
-              <a:rPr lang="en-US" dirty="0" err="1" smtClean="0"/>
-              <a:t>untuk</a:t>
-            </a:r>
-            <a:r>
-              <a:rPr lang="en-US" dirty="0" smtClean="0"/>
-              <a:t> </a:t>
-            </a:r>
-            <a:r>
-              <a:rPr lang="en-US" dirty="0" err="1" smtClean="0"/>
-              <a:t>membuka</a:t>
-            </a:r>
-            <a:r>
-              <a:rPr lang="en-US" dirty="0" smtClean="0"/>
-              <a:t> </a:t>
-            </a:r>
-            <a:r>
-              <a:rPr lang="en-US" dirty="0" err="1" smtClean="0"/>
-              <a:t>permainan</a:t>
-            </a:r>
-            <a:r>
-              <a:rPr lang="en-US" dirty="0" smtClean="0"/>
-              <a:t> </a:t>
-            </a:r>
-            <a:r>
-              <a:rPr lang="en-US" dirty="0" err="1" smtClean="0"/>
-              <a:t>tersebut</a:t>
-            </a:r>
-            <a:r>
-              <a:rPr lang="en-US" dirty="0" smtClean="0"/>
-              <a:t> </a:t>
-            </a:r>
-            <a:r>
-              <a:rPr lang="en-US" dirty="0" err="1" smtClean="0"/>
-              <a:t>haruslah</a:t>
-            </a:r>
-            <a:r>
-              <a:rPr lang="en-US" dirty="0" smtClean="0"/>
-              <a:t> </a:t>
-            </a:r>
-            <a:r>
-              <a:rPr lang="en-US" dirty="0" err="1" smtClean="0"/>
-              <a:t>mengumpulkan</a:t>
-            </a:r>
-            <a:r>
-              <a:rPr lang="en-US" dirty="0" smtClean="0"/>
-              <a:t> point </a:t>
-            </a:r>
-            <a:r>
-              <a:rPr lang="en-US" dirty="0" err="1" smtClean="0"/>
-              <a:t>untuk</a:t>
-            </a:r>
-            <a:r>
-              <a:rPr lang="en-US" dirty="0" smtClean="0"/>
-              <a:t> </a:t>
-            </a:r>
-            <a:r>
-              <a:rPr lang="en-US" dirty="0" err="1" smtClean="0"/>
-              <a:t>membukanya</a:t>
-            </a:r>
-            <a:r>
-              <a:rPr lang="en-US" dirty="0" smtClean="0"/>
-              <a:t>.</a:t>
-            </a:r>
-            <a:endParaRPr lang="en-US" dirty="0" smtClean="0"/>
+              <a:t>mengizinkan</a:t>
+            </a:r>
+            <a:r>
+              <a:rPr lang="en-US" dirty="0" smtClean="0"/>
+              <a:t> </a:t>
+            </a:r>
+            <a:r>
+              <a:rPr lang="en-US" dirty="0" err="1" smtClean="0"/>
+              <a:t>pengguna</a:t>
+            </a:r>
+            <a:r>
+              <a:rPr lang="en-US" dirty="0" smtClean="0"/>
+              <a:t> </a:t>
+            </a:r>
+            <a:r>
+              <a:rPr lang="en-US" dirty="0" err="1" smtClean="0"/>
+              <a:t>dapat</a:t>
+            </a:r>
+            <a:r>
+              <a:rPr lang="en-US" dirty="0" smtClean="0"/>
+              <a:t> </a:t>
+            </a:r>
+            <a:r>
+              <a:rPr lang="en-US" dirty="0" err="1" smtClean="0"/>
+              <a:t>membuat</a:t>
+            </a:r>
+            <a:r>
+              <a:rPr lang="en-US" dirty="0" smtClean="0"/>
+              <a:t> </a:t>
+            </a:r>
+            <a:r>
+              <a:rPr lang="en-US" dirty="0" err="1" smtClean="0"/>
+              <a:t>banyak</a:t>
+            </a:r>
+            <a:r>
+              <a:rPr lang="en-US" dirty="0" smtClean="0"/>
+              <a:t> users</a:t>
+            </a:r>
+          </a:p>
+        </p:txBody>
+      </p:sp>
+      <p:sp>
+        <p:nvSpPr>
+          <p:cNvPr id="4" name="Title 1"/>
+          <p:cNvSpPr>
+            <a:spLocks noGrp="1"/>
+          </p:cNvSpPr>
+          <p:nvPr>
+            <p:ph type="title"/>
+          </p:nvPr>
+        </p:nvSpPr>
+        <p:spPr/>
+        <p:txBody>
+          <a:bodyPr/>
+          <a:lstStyle/>
+          <a:p>
+            <a:r>
+              <a:rPr lang="en-US" dirty="0" smtClean="0"/>
+              <a:t>Requirement Cards / Features</a:t>
+            </a:r>
+            <a:endParaRPr lang="en-US" dirty="0"/>
           </a:p>
         </p:txBody>
       </p:sp>
     </p:spTree>
     <p:extLst>
       <p:ext uri="{BB962C8B-B14F-4D97-AF65-F5344CB8AC3E}">
-        <p14:creationId xmlns:p14="http://schemas.microsoft.com/office/powerpoint/2010/main" val="2545162776"/>
+        <p14:creationId xmlns:p14="http://schemas.microsoft.com/office/powerpoint/2010/main" val="2708909029"/>
       </p:ext>
     </p:extLst>
   </p:cSld>
   <p:clrMapOvr>
     <a:masterClrMapping/>
   </p:clrMapOvr>
+  <p:timing>
+    <p:tnLst>
+      <p:par>
+        <p:cTn id="1" dur="indefinite" restart="never" nodeType="tmRoot"/>
+      </p:par>
+    </p:tnLst>
+  </p:timing>
 </p:sld>
 </file>
 
@@ -6230,41 +6677,24 @@
       </p:grpSpPr>
       <p:sp>
         <p:nvSpPr>
-          <p:cNvPr id="2" name="Title 1"/>
-          <p:cNvSpPr>
-            <a:spLocks noGrp="1"/>
-          </p:cNvSpPr>
-          <p:nvPr>
-            <p:ph type="title"/>
+          <p:cNvPr id="3" name="Content Placeholder 2"/>
+          <p:cNvSpPr>
+            <a:spLocks noGrp="1"/>
+          </p:cNvSpPr>
+          <p:nvPr>
+            <p:ph idx="1"/>
           </p:nvPr>
         </p:nvSpPr>
         <p:spPr/>
         <p:txBody>
-          <a:bodyPr/>
-          <a:lstStyle/>
-          <a:p>
-            <a:endParaRPr lang="en-US"/>
-          </a:p>
-        </p:txBody>
-      </p:sp>
-      <p:sp>
-        <p:nvSpPr>
-          <p:cNvPr id="3" name="Content Placeholder 2"/>
-          <p:cNvSpPr>
-            <a:spLocks noGrp="1"/>
-          </p:cNvSpPr>
-          <p:nvPr>
-            <p:ph idx="1"/>
-          </p:nvPr>
-        </p:nvSpPr>
-        <p:spPr/>
-        <p:txBody>
-          <a:bodyPr/>
-          <a:lstStyle/>
-          <a:p>
-            <a:r>
-              <a:rPr lang="en-US" dirty="0" smtClean="0"/>
-              <a:t>Challenge Mode</a:t>
+          <a:bodyPr>
+            <a:normAutofit/>
+          </a:bodyPr>
+          <a:lstStyle/>
+          <a:p>
+            <a:r>
+              <a:rPr lang="en-US" dirty="0" smtClean="0"/>
+              <a:t>Statistics</a:t>
             </a:r>
           </a:p>
           <a:p>
@@ -6273,152 +6703,49 @@
             </a:pPr>
             <a:r>
               <a:rPr lang="en-US" dirty="0" err="1" smtClean="0"/>
-              <a:t>Disini</a:t>
-            </a:r>
-            <a:r>
-              <a:rPr lang="en-US" dirty="0" smtClean="0"/>
-              <a:t> user </a:t>
-            </a:r>
-            <a:r>
-              <a:rPr lang="en-US" dirty="0" err="1" smtClean="0"/>
-              <a:t>akan</a:t>
-            </a:r>
-            <a:r>
-              <a:rPr lang="en-US" dirty="0" smtClean="0"/>
-              <a:t> </a:t>
-            </a:r>
-            <a:r>
-              <a:rPr lang="en-US" dirty="0" err="1" smtClean="0"/>
-              <a:t>ditantang</a:t>
-            </a:r>
-            <a:r>
-              <a:rPr lang="en-US" dirty="0" smtClean="0"/>
-              <a:t> </a:t>
-            </a:r>
-            <a:r>
-              <a:rPr lang="en-US" dirty="0" err="1" smtClean="0"/>
-              <a:t>untuk</a:t>
-            </a:r>
-            <a:r>
-              <a:rPr lang="en-US" dirty="0" smtClean="0"/>
-              <a:t> </a:t>
-            </a:r>
-            <a:r>
-              <a:rPr lang="en-US" dirty="0" err="1" smtClean="0"/>
-              <a:t>melebihi</a:t>
-            </a:r>
-            <a:r>
-              <a:rPr lang="en-US" dirty="0" smtClean="0"/>
-              <a:t> </a:t>
-            </a:r>
-            <a:r>
-              <a:rPr lang="en-US" dirty="0" err="1" smtClean="0"/>
-              <a:t>highscore</a:t>
-            </a:r>
-            <a:r>
-              <a:rPr lang="en-US" dirty="0" smtClean="0"/>
-              <a:t> user </a:t>
-            </a:r>
-            <a:r>
-              <a:rPr lang="en-US" dirty="0" err="1" smtClean="0"/>
-              <a:t>sebelumnya</a:t>
-            </a:r>
-            <a:r>
-              <a:rPr lang="en-US" dirty="0" smtClean="0"/>
-              <a:t> </a:t>
-            </a:r>
-            <a:r>
-              <a:rPr lang="en-US" dirty="0" err="1" smtClean="0"/>
-              <a:t>untuk</a:t>
-            </a:r>
-            <a:r>
-              <a:rPr lang="en-US" dirty="0" smtClean="0"/>
-              <a:t> </a:t>
-            </a:r>
-            <a:r>
-              <a:rPr lang="en-US" dirty="0" err="1" smtClean="0"/>
-              <a:t>mendapatkan</a:t>
-            </a:r>
-            <a:r>
-              <a:rPr lang="en-US" dirty="0" smtClean="0"/>
-              <a:t> point </a:t>
-            </a:r>
-            <a:r>
-              <a:rPr lang="en-US" dirty="0" err="1" smtClean="0"/>
-              <a:t>dimana</a:t>
-            </a:r>
-            <a:r>
-              <a:rPr lang="en-US" dirty="0" smtClean="0"/>
-              <a:t> </a:t>
-            </a:r>
-            <a:r>
-              <a:rPr lang="en-US" dirty="0" err="1" smtClean="0"/>
-              <a:t>untuk</a:t>
-            </a:r>
-            <a:r>
-              <a:rPr lang="en-US" dirty="0" smtClean="0"/>
-              <a:t> </a:t>
-            </a:r>
-            <a:r>
-              <a:rPr lang="en-US" dirty="0" err="1" smtClean="0"/>
-              <a:t>melakukan</a:t>
-            </a:r>
-            <a:r>
-              <a:rPr lang="en-US" dirty="0" smtClean="0"/>
-              <a:t> unlocking </a:t>
-            </a:r>
-            <a:r>
-              <a:rPr lang="en-US" dirty="0" err="1" smtClean="0"/>
-              <a:t>pada</a:t>
-            </a:r>
-            <a:r>
-              <a:rPr lang="en-US" dirty="0" smtClean="0"/>
-              <a:t> game.</a:t>
-            </a:r>
-            <a:br>
-              <a:rPr lang="en-US" dirty="0" smtClean="0"/>
-            </a:br>
-            <a:r>
-              <a:rPr lang="en-US" dirty="0" smtClean="0"/>
-              <a:t>(Note: </a:t>
-            </a:r>
-            <a:r>
-              <a:rPr lang="en-US" dirty="0" err="1" smtClean="0"/>
-              <a:t>Highscore</a:t>
-            </a:r>
-            <a:r>
-              <a:rPr lang="en-US" dirty="0" smtClean="0"/>
-              <a:t> </a:t>
-            </a:r>
-            <a:r>
-              <a:rPr lang="en-US" dirty="0" err="1" smtClean="0"/>
-              <a:t>untuk</a:t>
-            </a:r>
-            <a:r>
-              <a:rPr lang="en-US" dirty="0" smtClean="0"/>
-              <a:t> challenge </a:t>
-            </a:r>
-            <a:r>
-              <a:rPr lang="en-US" dirty="0" err="1" smtClean="0"/>
-              <a:t>itu</a:t>
-            </a:r>
-            <a:r>
-              <a:rPr lang="en-US" dirty="0" smtClean="0"/>
-              <a:t> </a:t>
-            </a:r>
-            <a:r>
-              <a:rPr lang="en-US" dirty="0" err="1" smtClean="0"/>
-              <a:t>dibatasi</a:t>
-            </a:r>
-            <a:r>
-              <a:rPr lang="en-US" dirty="0" smtClean="0"/>
-              <a:t>)</a:t>
-            </a:r>
-          </a:p>
-          <a:p>
-            <a:r>
-              <a:rPr lang="en-US" dirty="0" smtClean="0"/>
-              <a:t>Battle Mode</a:t>
+              <a:t>Aplikasi</a:t>
+            </a:r>
+            <a:r>
+              <a:rPr lang="en-US" dirty="0" smtClean="0"/>
+              <a:t> </a:t>
+            </a:r>
+            <a:r>
+              <a:rPr lang="en-US" dirty="0" err="1" smtClean="0"/>
+              <a:t>ini</a:t>
+            </a:r>
+            <a:r>
+              <a:rPr lang="en-US" dirty="0" smtClean="0"/>
+              <a:t> </a:t>
+            </a:r>
+            <a:r>
+              <a:rPr lang="en-US" dirty="0" err="1" smtClean="0"/>
+              <a:t>dapat</a:t>
+            </a:r>
+            <a:r>
+              <a:rPr lang="en-US" dirty="0" smtClean="0"/>
+              <a:t> </a:t>
+            </a:r>
+            <a:r>
+              <a:rPr lang="en-US" dirty="0" err="1" smtClean="0"/>
+              <a:t>membandingkan</a:t>
+            </a:r>
+            <a:r>
+              <a:rPr lang="en-US" dirty="0" smtClean="0"/>
+              <a:t> score </a:t>
+            </a:r>
+            <a:r>
+              <a:rPr lang="en-US" dirty="0" err="1" smtClean="0"/>
+              <a:t>antar</a:t>
+            </a:r>
+            <a:r>
+              <a:rPr lang="en-US" dirty="0" smtClean="0"/>
+              <a:t> users</a:t>
+            </a:r>
+          </a:p>
+          <a:p>
+            <a:r>
+              <a:rPr lang="en-US" dirty="0" smtClean="0"/>
+              <a:t>Game In Game</a:t>
             </a:r>
           </a:p>
           <a:p>
@@ -6427,7 +6754,7 @@
             </a:pPr>
             <a:r>
               <a:rPr lang="en-US" dirty="0" err="1" smtClean="0"/>
-              <a:t>Fitur</a:t>
+              <a:t>Aplikasi</a:t>
             </a:r>
             <a:r>
               <a:rPr lang="en-US" dirty="0" smtClean="0"/>
@@ -6443,11 +6770,19 @@
             </a:r>
             <a:r>
               <a:rPr lang="en-US" dirty="0" err="1" smtClean="0"/>
-              <a:t>mengizinkan</a:t>
-            </a:r>
-            <a:r>
-              <a:rPr lang="en-US" dirty="0" smtClean="0"/>
-              <a:t> user </a:t>
+              <a:t>memiliki</a:t>
+            </a:r>
+            <a:r>
+              <a:rPr lang="en-US" dirty="0" smtClean="0"/>
+              <a:t> </a:t>
+            </a:r>
+            <a:r>
+              <a:rPr lang="en-US" dirty="0" err="1" smtClean="0"/>
+              <a:t>fitur</a:t>
+            </a:r>
+            <a:r>
+              <a:rPr lang="en-US" dirty="0" smtClean="0"/>
+              <a:t> </a:t>
             </a:r>
             <a:r>
               <a:rPr lang="en-US" dirty="0" err="1" smtClean="0"/>
@@ -6459,10 +6794,122 @@
             </a:r>
             <a:r>
               <a:rPr lang="en-US" dirty="0" err="1" smtClean="0"/>
+              <a:t>memilih</a:t>
+            </a:r>
+            <a:r>
+              <a:rPr lang="en-US" dirty="0" smtClean="0"/>
+              <a:t> </a:t>
+            </a:r>
+            <a:r>
+              <a:rPr lang="en-US" dirty="0" err="1" smtClean="0"/>
+              <a:t>jenis</a:t>
+            </a:r>
+            <a:r>
+              <a:rPr lang="en-US" dirty="0" smtClean="0"/>
+              <a:t> game yang </a:t>
+            </a:r>
+            <a:r>
+              <a:rPr lang="en-US" dirty="0" err="1" smtClean="0"/>
+              <a:t>akan</a:t>
+            </a:r>
+            <a:r>
+              <a:rPr lang="en-US" dirty="0" smtClean="0"/>
+              <a:t> </a:t>
+            </a:r>
+            <a:r>
+              <a:rPr lang="en-US" dirty="0" err="1" smtClean="0"/>
+              <a:t>dimainkan</a:t>
+            </a:r>
+            <a:r>
+              <a:rPr lang="en-US" dirty="0" smtClean="0"/>
+              <a:t> </a:t>
+            </a:r>
+            <a:r>
+              <a:rPr lang="en-US" dirty="0" err="1" smtClean="0"/>
+              <a:t>dengan</a:t>
+            </a:r>
+            <a:r>
+              <a:rPr lang="en-US" dirty="0" smtClean="0"/>
+              <a:t> </a:t>
+            </a:r>
+            <a:r>
+              <a:rPr lang="en-US" dirty="0" err="1" smtClean="0"/>
+              <a:t>beberapa</a:t>
+            </a:r>
+            <a:r>
+              <a:rPr lang="en-US" dirty="0" smtClean="0"/>
+              <a:t> </a:t>
+            </a:r>
+            <a:r>
+              <a:rPr lang="en-US" dirty="0" err="1" smtClean="0"/>
+              <a:t>cara</a:t>
+            </a:r>
+            <a:r>
+              <a:rPr lang="en-US" dirty="0" smtClean="0"/>
+              <a:t> </a:t>
+            </a:r>
+            <a:r>
+              <a:rPr lang="en-US" dirty="0" err="1" smtClean="0"/>
+              <a:t>seperti</a:t>
+            </a:r>
+            <a:r>
+              <a:rPr lang="en-US" dirty="0" smtClean="0"/>
+              <a:t> </a:t>
+            </a:r>
+            <a:r>
+              <a:rPr lang="en-US" dirty="0" err="1" smtClean="0"/>
               <a:t>bermain</a:t>
             </a:r>
             <a:r>
               <a:rPr lang="en-US" dirty="0" smtClean="0"/>
+              <a:t> Math </a:t>
+            </a:r>
+            <a:r>
+              <a:rPr lang="en-US" dirty="0" err="1" smtClean="0"/>
+              <a:t>kita</a:t>
+            </a:r>
+            <a:r>
+              <a:rPr lang="en-US" dirty="0" smtClean="0"/>
+              <a:t> </a:t>
+            </a:r>
+            <a:r>
+              <a:rPr lang="en-US" dirty="0" err="1" smtClean="0"/>
+              <a:t>dapat</a:t>
+            </a:r>
+            <a:r>
+              <a:rPr lang="en-US" dirty="0" smtClean="0"/>
+              <a:t> </a:t>
+            </a:r>
+            <a:r>
+              <a:rPr lang="en-US" dirty="0" err="1" smtClean="0"/>
+              <a:t>melakukan</a:t>
+            </a:r>
+            <a:r>
+              <a:rPr lang="en-US" dirty="0" smtClean="0"/>
+              <a:t> </a:t>
+            </a:r>
+            <a:r>
+              <a:rPr lang="en-US" dirty="0" err="1" smtClean="0"/>
+              <a:t>perhitungan</a:t>
+            </a:r>
+            <a:r>
+              <a:rPr lang="en-US" dirty="0" smtClean="0"/>
+              <a:t> (sum) </a:t>
+            </a:r>
+            <a:r>
+              <a:rPr lang="en-US" dirty="0" err="1" smtClean="0"/>
+              <a:t>atau</a:t>
+            </a:r>
+            <a:r>
+              <a:rPr lang="en-US" dirty="0" smtClean="0"/>
+              <a:t> </a:t>
+            </a:r>
+            <a:r>
+              <a:rPr lang="en-US" dirty="0" err="1" smtClean="0"/>
+              <a:t>bermain</a:t>
+            </a:r>
+            <a:r>
+              <a:rPr lang="en-US" dirty="0" smtClean="0"/>
               <a:t> </a:t>
             </a:r>
             <a:r>
@@ -6471,46 +6918,21 @@
             </a:r>
             <a:r>
               <a:rPr lang="en-US" dirty="0" smtClean="0"/>
-              <a:t> user lain </a:t>
-            </a:r>
-            <a:r>
-              <a:rPr lang="en-US" dirty="0" err="1" smtClean="0"/>
-              <a:t>dengan</a:t>
-            </a:r>
-            <a:r>
-              <a:rPr lang="en-US" dirty="0" smtClean="0"/>
-              <a:t> </a:t>
-            </a:r>
-            <a:r>
-              <a:rPr lang="en-US" dirty="0" err="1" smtClean="0"/>
-              <a:t>soal</a:t>
-            </a:r>
-            <a:r>
-              <a:rPr lang="en-US" dirty="0" smtClean="0"/>
-              <a:t> yang </a:t>
-            </a:r>
-            <a:r>
-              <a:rPr lang="en-US" dirty="0" err="1" smtClean="0"/>
-              <a:t>sama</a:t>
-            </a:r>
-            <a:r>
-              <a:rPr lang="en-US" dirty="0" smtClean="0"/>
-              <a:t> </a:t>
-            </a:r>
-            <a:r>
-              <a:rPr lang="en-US" dirty="0" err="1" smtClean="0"/>
-              <a:t>menggunakan</a:t>
-            </a:r>
-            <a:r>
-              <a:rPr lang="en-US" dirty="0" smtClean="0"/>
-              <a:t> Bluetooth.</a:t>
-            </a:r>
-            <a:endParaRPr lang="en-US" dirty="0" smtClean="0"/>
-          </a:p>
-          <a:p>
-            <a:r>
-              <a:rPr lang="en-US" dirty="0" smtClean="0"/>
-              <a:t>Enable Rotation</a:t>
+              <a:t> </a:t>
+            </a:r>
+            <a:r>
+              <a:rPr lang="en-US" dirty="0" err="1" smtClean="0"/>
+              <a:t>perbandingan</a:t>
+            </a:r>
+            <a:r>
+              <a:rPr lang="en-US" dirty="0" smtClean="0"/>
+              <a:t>(Compare)</a:t>
+            </a:r>
+          </a:p>
+          <a:p>
+            <a:r>
+              <a:rPr lang="en-US" dirty="0" smtClean="0"/>
+              <a:t>Unlock Game</a:t>
             </a:r>
           </a:p>
           <a:p>
@@ -6519,11 +6941,59 @@
             </a:pPr>
             <a:r>
               <a:rPr lang="en-US" dirty="0" err="1" smtClean="0"/>
-              <a:t>Memungkinkan</a:t>
-            </a:r>
-            <a:r>
-              <a:rPr lang="en-US" dirty="0" smtClean="0"/>
-              <a:t> user </a:t>
+              <a:t>Aplikasi</a:t>
+            </a:r>
+            <a:r>
+              <a:rPr lang="en-US" dirty="0" smtClean="0"/>
+              <a:t> </a:t>
+            </a:r>
+            <a:r>
+              <a:rPr lang="en-US" dirty="0" err="1" smtClean="0"/>
+              <a:t>ini</a:t>
+            </a:r>
+            <a:r>
+              <a:rPr lang="en-US" dirty="0" smtClean="0"/>
+              <a:t> </a:t>
+            </a:r>
+            <a:r>
+              <a:rPr lang="en-US" dirty="0" err="1" smtClean="0"/>
+              <a:t>memiliki</a:t>
+            </a:r>
+            <a:r>
+              <a:rPr lang="en-US" dirty="0" smtClean="0"/>
+              <a:t> </a:t>
+            </a:r>
+            <a:r>
+              <a:rPr lang="en-US" dirty="0" err="1" smtClean="0"/>
+              <a:t>beberapa</a:t>
+            </a:r>
+            <a:r>
+              <a:rPr lang="en-US" dirty="0" smtClean="0"/>
+              <a:t> game yang </a:t>
+            </a:r>
+            <a:r>
+              <a:rPr lang="en-US" dirty="0" err="1" smtClean="0"/>
+              <a:t>masih</a:t>
+            </a:r>
+            <a:r>
+              <a:rPr lang="en-US" dirty="0" smtClean="0"/>
+              <a:t> </a:t>
+            </a:r>
+            <a:r>
+              <a:rPr lang="en-US" dirty="0" err="1" smtClean="0"/>
+              <a:t>dikunci</a:t>
+            </a:r>
+            <a:r>
+              <a:rPr lang="en-US" dirty="0" smtClean="0"/>
+              <a:t> </a:t>
+            </a:r>
+            <a:r>
+              <a:rPr lang="en-US" dirty="0" err="1" smtClean="0"/>
+              <a:t>jadi</a:t>
+            </a:r>
+            <a:r>
+              <a:rPr lang="en-US" dirty="0" smtClean="0"/>
+              <a:t> </a:t>
             </a:r>
             <a:r>
               <a:rPr lang="en-US" dirty="0" err="1" smtClean="0"/>
@@ -6535,38 +7005,103 @@
             </a:r>
             <a:r>
               <a:rPr lang="en-US" dirty="0" err="1" smtClean="0"/>
-              <a:t>melakukan</a:t>
-            </a:r>
-            <a:r>
-              <a:rPr lang="en-US" dirty="0" smtClean="0"/>
-              <a:t> </a:t>
-            </a:r>
-            <a:r>
-              <a:rPr lang="en-US" dirty="0" err="1" smtClean="0"/>
-              <a:t>rotasi</a:t>
-            </a:r>
-            <a:r>
-              <a:rPr lang="en-US" dirty="0" smtClean="0"/>
-              <a:t> view </a:t>
-            </a:r>
-            <a:r>
-              <a:rPr lang="en-US" dirty="0" err="1" smtClean="0"/>
-              <a:t>aplikasi</a:t>
-            </a:r>
-            <a:endParaRPr lang="en-US" dirty="0" smtClean="0"/>
+              <a:t>membuka</a:t>
+            </a:r>
+            <a:r>
+              <a:rPr lang="en-US" dirty="0" smtClean="0"/>
+              <a:t> </a:t>
+            </a:r>
+            <a:r>
+              <a:rPr lang="en-US" dirty="0" err="1" smtClean="0"/>
+              <a:t>permainan</a:t>
+            </a:r>
+            <a:r>
+              <a:rPr lang="en-US" dirty="0" smtClean="0"/>
+              <a:t> </a:t>
+            </a:r>
+            <a:r>
+              <a:rPr lang="en-US" dirty="0" err="1" smtClean="0"/>
+              <a:t>tersebut</a:t>
+            </a:r>
+            <a:r>
+              <a:rPr lang="en-US" dirty="0" smtClean="0"/>
+              <a:t> </a:t>
+            </a:r>
+            <a:r>
+              <a:rPr lang="en-US" dirty="0" err="1" smtClean="0"/>
+              <a:t>haruslah</a:t>
+            </a:r>
+            <a:r>
+              <a:rPr lang="en-US" dirty="0" smtClean="0"/>
+              <a:t> </a:t>
+            </a:r>
+            <a:r>
+              <a:rPr lang="en-US" dirty="0" err="1" smtClean="0"/>
+              <a:t>mengumpulkan</a:t>
+            </a:r>
+            <a:r>
+              <a:rPr lang="en-US" dirty="0" smtClean="0"/>
+              <a:t> point </a:t>
+            </a:r>
+            <a:r>
+              <a:rPr lang="en-US" dirty="0" err="1" smtClean="0"/>
+              <a:t>untuk</a:t>
+            </a:r>
+            <a:r>
+              <a:rPr lang="en-US" dirty="0" smtClean="0"/>
+              <a:t> </a:t>
+            </a:r>
+            <a:r>
+              <a:rPr lang="en-US" dirty="0" err="1" smtClean="0"/>
+              <a:t>membukanya</a:t>
+            </a:r>
+            <a:r>
+              <a:rPr lang="en-US" dirty="0" smtClean="0"/>
+              <a:t>.</a:t>
+            </a:r>
+          </a:p>
+        </p:txBody>
+      </p:sp>
+      <p:sp>
+        <p:nvSpPr>
+          <p:cNvPr id="4" name="Title 1"/>
+          <p:cNvSpPr>
+            <a:spLocks noGrp="1"/>
+          </p:cNvSpPr>
+          <p:nvPr>
+            <p:ph type="title"/>
+          </p:nvPr>
+        </p:nvSpPr>
+        <p:spPr/>
+        <p:txBody>
+          <a:bodyPr/>
+          <a:lstStyle/>
+          <a:p>
+            <a:r>
+              <a:rPr lang="en-US" dirty="0" smtClean="0"/>
+              <a:t>Requirement Cards / Features</a:t>
+            </a:r>
+            <a:endParaRPr lang="en-US" dirty="0"/>
           </a:p>
         </p:txBody>
       </p:sp>
     </p:spTree>
     <p:extLst>
       <p:ext uri="{BB962C8B-B14F-4D97-AF65-F5344CB8AC3E}">
-        <p14:creationId xmlns:p14="http://schemas.microsoft.com/office/powerpoint/2010/main" val="3944695392"/>
+        <p14:creationId xmlns:p14="http://schemas.microsoft.com/office/powerpoint/2010/main" val="2545162776"/>
       </p:ext>
     </p:extLst>
   </p:cSld>
   <p:clrMapOvr>
     <a:masterClrMapping/>
   </p:clrMapOvr>
+  <p:timing>
+    <p:tnLst>
+      <p:par>
+        <p:cTn id="1" dur="indefinite" restart="never" nodeType="tmRoot"/>
+      </p:par>
+    </p:tnLst>
+  </p:timing>
 </p:sld>
 </file>
 
@@ -6589,7 +7124,316 @@
       </p:grpSpPr>
       <p:sp>
         <p:nvSpPr>
-          <p:cNvPr id="2" name="Title 1"/>
+          <p:cNvPr id="3" name="Content Placeholder 2"/>
+          <p:cNvSpPr>
+            <a:spLocks noGrp="1"/>
+          </p:cNvSpPr>
+          <p:nvPr>
+            <p:ph idx="1"/>
+          </p:nvPr>
+        </p:nvSpPr>
+        <p:spPr/>
+        <p:txBody>
+          <a:bodyPr/>
+          <a:lstStyle/>
+          <a:p>
+            <a:r>
+              <a:rPr lang="en-US" dirty="0" smtClean="0"/>
+              <a:t>Challenge Mode</a:t>
+            </a:r>
+          </a:p>
+          <a:p>
+            <a:pPr marL="457200" lvl="1" indent="0">
+              <a:buNone/>
+            </a:pPr>
+            <a:r>
+              <a:rPr lang="en-US" dirty="0" err="1" smtClean="0"/>
+              <a:t>Disini</a:t>
+            </a:r>
+            <a:r>
+              <a:rPr lang="en-US" dirty="0" smtClean="0"/>
+              <a:t> user </a:t>
+            </a:r>
+            <a:r>
+              <a:rPr lang="en-US" dirty="0" err="1" smtClean="0"/>
+              <a:t>akan</a:t>
+            </a:r>
+            <a:r>
+              <a:rPr lang="en-US" dirty="0" smtClean="0"/>
+              <a:t> </a:t>
+            </a:r>
+            <a:r>
+              <a:rPr lang="en-US" dirty="0" err="1" smtClean="0"/>
+              <a:t>ditantang</a:t>
+            </a:r>
+            <a:r>
+              <a:rPr lang="en-US" dirty="0" smtClean="0"/>
+              <a:t> </a:t>
+            </a:r>
+            <a:r>
+              <a:rPr lang="en-US" dirty="0" err="1" smtClean="0"/>
+              <a:t>untuk</a:t>
+            </a:r>
+            <a:r>
+              <a:rPr lang="en-US" dirty="0" smtClean="0"/>
+              <a:t> </a:t>
+            </a:r>
+            <a:r>
+              <a:rPr lang="en-US" dirty="0" err="1" smtClean="0"/>
+              <a:t>melebihi</a:t>
+            </a:r>
+            <a:r>
+              <a:rPr lang="en-US" dirty="0" smtClean="0"/>
+              <a:t> </a:t>
+            </a:r>
+            <a:r>
+              <a:rPr lang="en-US" dirty="0" err="1" smtClean="0"/>
+              <a:t>highscore</a:t>
+            </a:r>
+            <a:r>
+              <a:rPr lang="en-US" dirty="0" smtClean="0"/>
+              <a:t> user </a:t>
+            </a:r>
+            <a:r>
+              <a:rPr lang="en-US" dirty="0" err="1" smtClean="0"/>
+              <a:t>sebelumnya</a:t>
+            </a:r>
+            <a:r>
+              <a:rPr lang="en-US" dirty="0" smtClean="0"/>
+              <a:t> </a:t>
+            </a:r>
+            <a:r>
+              <a:rPr lang="en-US" dirty="0" err="1" smtClean="0"/>
+              <a:t>untuk</a:t>
+            </a:r>
+            <a:r>
+              <a:rPr lang="en-US" dirty="0" smtClean="0"/>
+              <a:t> </a:t>
+            </a:r>
+            <a:r>
+              <a:rPr lang="en-US" dirty="0" err="1" smtClean="0"/>
+              <a:t>mendapatkan</a:t>
+            </a:r>
+            <a:r>
+              <a:rPr lang="en-US" dirty="0" smtClean="0"/>
+              <a:t> point </a:t>
+            </a:r>
+            <a:r>
+              <a:rPr lang="en-US" dirty="0" err="1" smtClean="0"/>
+              <a:t>dimana</a:t>
+            </a:r>
+            <a:r>
+              <a:rPr lang="en-US" dirty="0" smtClean="0"/>
+              <a:t> </a:t>
+            </a:r>
+            <a:r>
+              <a:rPr lang="en-US" dirty="0" err="1" smtClean="0"/>
+              <a:t>untuk</a:t>
+            </a:r>
+            <a:r>
+              <a:rPr lang="en-US" dirty="0" smtClean="0"/>
+              <a:t> </a:t>
+            </a:r>
+            <a:r>
+              <a:rPr lang="en-US" dirty="0" err="1" smtClean="0"/>
+              <a:t>melakukan</a:t>
+            </a:r>
+            <a:r>
+              <a:rPr lang="en-US" dirty="0" smtClean="0"/>
+              <a:t> unlocking </a:t>
+            </a:r>
+            <a:r>
+              <a:rPr lang="en-US" dirty="0" err="1" smtClean="0"/>
+              <a:t>pada</a:t>
+            </a:r>
+            <a:r>
+              <a:rPr lang="en-US" dirty="0" smtClean="0"/>
+              <a:t> game.</a:t>
+            </a:r>
+            <a:br>
+              <a:rPr lang="en-US" dirty="0" smtClean="0"/>
+            </a:br>
+            <a:r>
+              <a:rPr lang="en-US" dirty="0" smtClean="0"/>
+              <a:t>(Note: </a:t>
+            </a:r>
+            <a:r>
+              <a:rPr lang="en-US" dirty="0" err="1" smtClean="0"/>
+              <a:t>Highscore</a:t>
+            </a:r>
+            <a:r>
+              <a:rPr lang="en-US" dirty="0" smtClean="0"/>
+              <a:t> </a:t>
+            </a:r>
+            <a:r>
+              <a:rPr lang="en-US" dirty="0" err="1" smtClean="0"/>
+              <a:t>untuk</a:t>
+            </a:r>
+            <a:r>
+              <a:rPr lang="en-US" dirty="0" smtClean="0"/>
+              <a:t> challenge </a:t>
+            </a:r>
+            <a:r>
+              <a:rPr lang="en-US" dirty="0" err="1" smtClean="0"/>
+              <a:t>itu</a:t>
+            </a:r>
+            <a:r>
+              <a:rPr lang="en-US" dirty="0" smtClean="0"/>
+              <a:t> </a:t>
+            </a:r>
+            <a:r>
+              <a:rPr lang="en-US" dirty="0" err="1" smtClean="0"/>
+              <a:t>dibatasi</a:t>
+            </a:r>
+            <a:r>
+              <a:rPr lang="en-US" dirty="0" smtClean="0"/>
+              <a:t>)</a:t>
+            </a:r>
+          </a:p>
+          <a:p>
+            <a:r>
+              <a:rPr lang="en-US" dirty="0" smtClean="0"/>
+              <a:t>Battle Mode</a:t>
+            </a:r>
+          </a:p>
+          <a:p>
+            <a:pPr marL="457200" lvl="1" indent="0">
+              <a:buNone/>
+            </a:pPr>
+            <a:r>
+              <a:rPr lang="en-US" dirty="0" err="1" smtClean="0"/>
+              <a:t>Fitur</a:t>
+            </a:r>
+            <a:r>
+              <a:rPr lang="en-US" dirty="0" smtClean="0"/>
+              <a:t> </a:t>
+            </a:r>
+            <a:r>
+              <a:rPr lang="en-US" dirty="0" err="1" smtClean="0"/>
+              <a:t>ini</a:t>
+            </a:r>
+            <a:r>
+              <a:rPr lang="en-US" dirty="0" smtClean="0"/>
+              <a:t> </a:t>
+            </a:r>
+            <a:r>
+              <a:rPr lang="en-US" dirty="0" err="1" smtClean="0"/>
+              <a:t>mengizinkan</a:t>
+            </a:r>
+            <a:r>
+              <a:rPr lang="en-US" dirty="0" smtClean="0"/>
+              <a:t> user </a:t>
+            </a:r>
+            <a:r>
+              <a:rPr lang="en-US" dirty="0" err="1" smtClean="0"/>
+              <a:t>untuk</a:t>
+            </a:r>
+            <a:r>
+              <a:rPr lang="en-US" dirty="0" smtClean="0"/>
+              <a:t> </a:t>
+            </a:r>
+            <a:r>
+              <a:rPr lang="en-US" dirty="0" err="1" smtClean="0"/>
+              <a:t>bermain</a:t>
+            </a:r>
+            <a:r>
+              <a:rPr lang="en-US" dirty="0" smtClean="0"/>
+              <a:t> </a:t>
+            </a:r>
+            <a:r>
+              <a:rPr lang="en-US" dirty="0" err="1" smtClean="0"/>
+              <a:t>dengan</a:t>
+            </a:r>
+            <a:r>
+              <a:rPr lang="en-US" dirty="0" smtClean="0"/>
+              <a:t> user lain </a:t>
+            </a:r>
+            <a:r>
+              <a:rPr lang="en-US" dirty="0" err="1" smtClean="0"/>
+              <a:t>dengan</a:t>
+            </a:r>
+            <a:r>
+              <a:rPr lang="en-US" dirty="0" smtClean="0"/>
+              <a:t> </a:t>
+            </a:r>
+            <a:r>
+              <a:rPr lang="en-US" dirty="0" err="1" smtClean="0"/>
+              <a:t>soal</a:t>
+            </a:r>
+            <a:r>
+              <a:rPr lang="en-US" dirty="0" smtClean="0"/>
+              <a:t> yang </a:t>
+            </a:r>
+            <a:r>
+              <a:rPr lang="en-US" dirty="0" err="1" smtClean="0"/>
+              <a:t>sama</a:t>
+            </a:r>
+            <a:r>
+              <a:rPr lang="en-US" dirty="0" smtClean="0"/>
+              <a:t> </a:t>
+            </a:r>
+            <a:r>
+              <a:rPr lang="en-US" dirty="0" err="1" smtClean="0"/>
+              <a:t>menggunakan</a:t>
+            </a:r>
+            <a:r>
+              <a:rPr lang="en-US" dirty="0" smtClean="0"/>
+              <a:t> Bluetooth.</a:t>
+            </a:r>
+          </a:p>
+          <a:p>
+            <a:r>
+              <a:rPr lang="en-US" dirty="0" smtClean="0"/>
+              <a:t>Enable Rotation</a:t>
+            </a:r>
+          </a:p>
+          <a:p>
+            <a:pPr marL="457200" lvl="1" indent="0">
+              <a:buNone/>
+            </a:pPr>
+            <a:r>
+              <a:rPr lang="en-US" dirty="0" err="1" smtClean="0"/>
+              <a:t>Memungkinkan</a:t>
+            </a:r>
+            <a:r>
+              <a:rPr lang="en-US" dirty="0" smtClean="0"/>
+              <a:t> user </a:t>
+            </a:r>
+            <a:r>
+              <a:rPr lang="en-US" dirty="0" err="1" smtClean="0"/>
+              <a:t>untuk</a:t>
+            </a:r>
+            <a:r>
+              <a:rPr lang="en-US" dirty="0" smtClean="0"/>
+              <a:t> </a:t>
+            </a:r>
+            <a:r>
+              <a:rPr lang="en-US" dirty="0" err="1" smtClean="0"/>
+              <a:t>melakukan</a:t>
+            </a:r>
+            <a:r>
+              <a:rPr lang="en-US" dirty="0" smtClean="0"/>
+              <a:t> </a:t>
+            </a:r>
+            <a:r>
+              <a:rPr lang="en-US" dirty="0" err="1" smtClean="0"/>
+              <a:t>rotasi</a:t>
+            </a:r>
+            <a:r>
+              <a:rPr lang="en-US" dirty="0" smtClean="0"/>
+              <a:t> view </a:t>
+            </a:r>
+            <a:r>
+              <a:rPr lang="en-US" dirty="0" err="1" smtClean="0"/>
+              <a:t>aplikasi</a:t>
+            </a:r>
+            <a:endParaRPr lang="en-US" dirty="0" smtClean="0"/>
+          </a:p>
+        </p:txBody>
+      </p:sp>
+      <p:sp>
+        <p:nvSpPr>
+          <p:cNvPr id="4" name="Title 1"/>
           <p:cNvSpPr>
             <a:spLocks noGrp="1"/>
           </p:cNvSpPr>
@@ -6602,68 +7446,31 @@
           <a:bodyPr/>
           <a:lstStyle/>
           <a:p>
-            <a:endParaRPr lang="en-US"/>
-          </a:p>
-        </p:txBody>
-      </p:sp>
-      <p:sp>
-        <p:nvSpPr>
-          <p:cNvPr id="17" name="Content Placeholder 16"/>
-          <p:cNvSpPr>
-            <a:spLocks noGrp="1"/>
-          </p:cNvSpPr>
-          <p:nvPr>
-            <p:ph idx="1"/>
-          </p:nvPr>
-        </p:nvSpPr>
-        <p:spPr/>
-        <p:txBody>
-          <a:bodyPr/>
-          <a:lstStyle/>
-          <a:p>
-            <a:endParaRPr lang="en-US"/>
-          </a:p>
-        </p:txBody>
-      </p:sp>
-      <p:pic>
-        <p:nvPicPr>
-          <p:cNvPr id="18" name="Content Placeholder 3"/>
-          <p:cNvPicPr>
-            <a:picLocks noGrp="1" noChangeAspect="1"/>
-          </p:cNvPicPr>
-          <p:nvPr>
-            <p:ph idx="1"/>
-          </p:nvPr>
-        </p:nvPicPr>
-        <p:blipFill>
-          <a:blip r:embed="rId2">
-            <a:extLst>
-              <a:ext uri="{28A0092B-C50C-407E-A947-70E740481C1C}">
-                <a14:useLocalDpi xmlns:a14="http://schemas.microsoft.com/office/drawing/2010/main" val="0"/>
-              </a:ext>
-            </a:extLst>
-          </a:blip>
-          <a:stretch>
-            <a:fillRect/>
-          </a:stretch>
-        </p:blipFill>
-        <p:spPr>
-          <a:xfrm>
-            <a:off x="2461012" y="365125"/>
-            <a:ext cx="7749117" cy="5811838"/>
-          </a:xfrm>
-        </p:spPr>
-      </p:pic>
+            <a:r>
+              <a:rPr lang="en-US" dirty="0" smtClean="0"/>
+              <a:t>Requirement Cards / Features</a:t>
+            </a:r>
+            <a:endParaRPr lang="en-US" dirty="0"/>
+          </a:p>
+        </p:txBody>
+      </p:sp>
     </p:spTree>
     <p:extLst>
       <p:ext uri="{BB962C8B-B14F-4D97-AF65-F5344CB8AC3E}">
-        <p14:creationId xmlns:p14="http://schemas.microsoft.com/office/powerpoint/2010/main" val="3296217674"/>
+        <p14:creationId xmlns:p14="http://schemas.microsoft.com/office/powerpoint/2010/main" val="3944695392"/>
       </p:ext>
     </p:extLst>
   </p:cSld>
   <p:clrMapOvr>
     <a:masterClrMapping/>
   </p:clrMapOvr>
+  <p:timing>
+    <p:tnLst>
+      <p:par>
+        <p:cTn id="1" dur="indefinite" restart="never" nodeType="tmRoot"/>
+      </p:par>
+    </p:tnLst>
+  </p:timing>
 </p:sld>
 </file>
 
@@ -6710,7 +7517,7 @@
     </a:clrScheme>
     <a:fontScheme name="Office">
       <a:majorFont>
-        <a:latin typeface="Calibri Light" panose="020F0302020204030204"/>
+        <a:latin typeface="Calibri Light"/>
         <a:ea typeface=""/>
         <a:cs typeface=""/>
         <a:font script="Jpan" typeface="ＭＳ Ｐゴシック"/>
@@ -6745,7 +7552,7 @@
         <a:font script="Geor" typeface="Sylfaen"/>
       </a:majorFont>
       <a:minorFont>
-        <a:latin typeface="Calibri" panose="020F0502020204030204"/>
+        <a:latin typeface="Calibri"/>
         <a:ea typeface=""/>
         <a:cs typeface=""/>
         <a:font script="Jpan" typeface="ＭＳ Ｐゴシック"/>
